--- a/ppts/2 - Working environment overview.pptx
+++ b/ppts/2 - Working environment overview.pptx
@@ -5,10 +5,10 @@
     <p:sldMasterId id="2147483648" r:id="rId1"/>
   </p:sldMasterIdLst>
   <p:notesMasterIdLst>
-    <p:notesMasterId r:id="rId30"/>
+    <p:notesMasterId r:id="rId26"/>
   </p:notesMasterIdLst>
   <p:handoutMasterIdLst>
-    <p:handoutMasterId r:id="rId31"/>
+    <p:handoutMasterId r:id="rId27"/>
   </p:handoutMasterIdLst>
   <p:sldIdLst>
     <p:sldId id="256" r:id="rId2"/>
@@ -17,33 +17,29 @@
     <p:sldId id="291" r:id="rId5"/>
     <p:sldId id="292" r:id="rId6"/>
     <p:sldId id="293" r:id="rId7"/>
-    <p:sldId id="294" r:id="rId8"/>
+    <p:sldId id="315" r:id="rId8"/>
     <p:sldId id="295" r:id="rId9"/>
     <p:sldId id="296" r:id="rId10"/>
     <p:sldId id="297" r:id="rId11"/>
     <p:sldId id="298" r:id="rId12"/>
     <p:sldId id="299" r:id="rId13"/>
-    <p:sldId id="300" r:id="rId14"/>
-    <p:sldId id="301" r:id="rId15"/>
+    <p:sldId id="316" r:id="rId14"/>
+    <p:sldId id="300" r:id="rId15"/>
     <p:sldId id="302" r:id="rId16"/>
     <p:sldId id="303" r:id="rId17"/>
     <p:sldId id="304" r:id="rId18"/>
     <p:sldId id="305" r:id="rId19"/>
-    <p:sldId id="306" r:id="rId20"/>
-    <p:sldId id="307" r:id="rId21"/>
-    <p:sldId id="308" r:id="rId22"/>
-    <p:sldId id="309" r:id="rId23"/>
-    <p:sldId id="310" r:id="rId24"/>
-    <p:sldId id="311" r:id="rId25"/>
-    <p:sldId id="312" r:id="rId26"/>
-    <p:sldId id="313" r:id="rId27"/>
-    <p:sldId id="314" r:id="rId28"/>
-    <p:sldId id="288" r:id="rId29"/>
+    <p:sldId id="311" r:id="rId20"/>
+    <p:sldId id="312" r:id="rId21"/>
+    <p:sldId id="317" r:id="rId22"/>
+    <p:sldId id="313" r:id="rId23"/>
+    <p:sldId id="314" r:id="rId24"/>
+    <p:sldId id="288" r:id="rId25"/>
   </p:sldIdLst>
   <p:sldSz cx="12192000" cy="6858000"/>
   <p:notesSz cx="6858000" cy="9144000"/>
   <p:custDataLst>
-    <p:tags r:id="rId32"/>
+    <p:tags r:id="rId28"/>
   </p:custDataLst>
   <p:defaultTextStyle>
     <a:defPPr>
@@ -4898,7 +4894,7 @@
           <a:p>
             <a:fld id="{15E4F5CE-CB34-4A0C-9595-867A2C0DB20E}" type="datetimeFigureOut">
               <a:rPr lang="nl-BE" smtClean="0"/>
-              <a:t>4/03/2024</a:t>
+              <a:t>1/05/2025</a:t>
             </a:fld>
             <a:endParaRPr lang="nl-BE"/>
           </a:p>
@@ -5075,7 +5071,7 @@
           <a:p>
             <a:fld id="{4D53584B-980D-4F7D-BA36-682FCDF648BB}" type="datetimeFigureOut">
               <a:rPr lang="nl-BE" smtClean="0"/>
-              <a:t>4/03/2024</a:t>
+              <a:t>1/05/2025</a:t>
             </a:fld>
             <a:endParaRPr lang="nl-BE"/>
           </a:p>
@@ -5576,7 +5572,7 @@
           <a:p>
             <a:fld id="{F456E141-11F1-487F-A892-18B8A63336C7}" type="datetime1">
               <a:rPr lang="nl-BE" smtClean="0"/>
-              <a:t>4/03/2024</a:t>
+              <a:t>1/05/2025</a:t>
             </a:fld>
             <a:endParaRPr lang="nl-BE"/>
           </a:p>
@@ -5892,7 +5888,7 @@
           <a:p>
             <a:fld id="{85CAFD92-94F2-4CD0-8A1D-AA3295115CEC}" type="datetime1">
               <a:rPr lang="nl-BE" smtClean="0"/>
-              <a:t>4/03/2024</a:t>
+              <a:t>1/05/2025</a:t>
             </a:fld>
             <a:endParaRPr lang="nl-BE"/>
           </a:p>
@@ -6072,7 +6068,7 @@
           <a:p>
             <a:fld id="{02B84EFA-B363-4043-A12E-44B39EC7D05B}" type="datetime1">
               <a:rPr lang="nl-BE" smtClean="0"/>
-              <a:t>4/03/2024</a:t>
+              <a:t>1/05/2025</a:t>
             </a:fld>
             <a:endParaRPr lang="nl-BE"/>
           </a:p>
@@ -6271,7 +6267,7 @@
           <a:p>
             <a:fld id="{B7AA89A6-C9B9-4556-BC9E-5E3CF3322A33}" type="datetime1">
               <a:rPr lang="nl-BE" smtClean="0"/>
-              <a:t>4/03/2024</a:t>
+              <a:t>1/05/2025</a:t>
             </a:fld>
             <a:endParaRPr lang="nl-BE"/>
           </a:p>
@@ -6522,7 +6518,7 @@
           <a:p>
             <a:fld id="{6CEB42D4-4FBB-465F-AE58-8ADBDBF671C8}" type="datetime1">
               <a:rPr lang="nl-BE" smtClean="0"/>
-              <a:t>4/03/2024</a:t>
+              <a:t>1/05/2025</a:t>
             </a:fld>
             <a:endParaRPr lang="nl-BE"/>
           </a:p>
@@ -6754,7 +6750,7 @@
           <a:p>
             <a:fld id="{64B405D5-C0FD-42E0-9EB1-2670F471B7BB}" type="datetime1">
               <a:rPr lang="nl-BE" smtClean="0"/>
-              <a:t>4/03/2024</a:t>
+              <a:t>1/05/2025</a:t>
             </a:fld>
             <a:endParaRPr lang="nl-BE"/>
           </a:p>
@@ -7121,7 +7117,7 @@
           <a:p>
             <a:fld id="{4CB55C39-C031-448F-A58F-CA88F7B6F786}" type="datetime1">
               <a:rPr lang="nl-BE" smtClean="0"/>
-              <a:t>4/03/2024</a:t>
+              <a:t>1/05/2025</a:t>
             </a:fld>
             <a:endParaRPr lang="nl-BE"/>
           </a:p>
@@ -7239,7 +7235,7 @@
           <a:p>
             <a:fld id="{E29307F5-1DF0-4FFF-91A4-1E1A6A26A94A}" type="datetime1">
               <a:rPr lang="nl-BE" smtClean="0"/>
-              <a:t>4/03/2024</a:t>
+              <a:t>1/05/2025</a:t>
             </a:fld>
             <a:endParaRPr lang="nl-BE"/>
           </a:p>
@@ -7334,7 +7330,7 @@
           <a:p>
             <a:fld id="{00A9168B-A159-4E9D-A6C6-C6786C6AB2EB}" type="datetime1">
               <a:rPr lang="nl-BE" smtClean="0"/>
-              <a:t>4/03/2024</a:t>
+              <a:t>1/05/2025</a:t>
             </a:fld>
             <a:endParaRPr lang="nl-BE"/>
           </a:p>
@@ -7611,7 +7607,7 @@
           <a:p>
             <a:fld id="{E9D22159-AF82-4D23-BC06-D4277BDD9BAD}" type="datetime1">
               <a:rPr lang="nl-BE" smtClean="0"/>
-              <a:t>4/03/2024</a:t>
+              <a:t>1/05/2025</a:t>
             </a:fld>
             <a:endParaRPr lang="nl-BE"/>
           </a:p>
@@ -7864,7 +7860,7 @@
           <a:p>
             <a:fld id="{D08A7014-C292-4E4F-926C-1A31F538B52A}" type="datetime1">
               <a:rPr lang="nl-BE" smtClean="0"/>
-              <a:t>4/03/2024</a:t>
+              <a:t>1/05/2025</a:t>
             </a:fld>
             <a:endParaRPr lang="nl-BE"/>
           </a:p>
@@ -8077,7 +8073,7 @@
           <a:p>
             <a:fld id="{E9CC7161-F687-474C-905A-3CCBBA535086}" type="datetime1">
               <a:rPr lang="nl-BE" smtClean="0"/>
-              <a:t>4/03/2024</a:t>
+              <a:t>1/05/2025</a:t>
             </a:fld>
             <a:endParaRPr lang="nl-BE"/>
           </a:p>
@@ -9397,6 +9393,168 @@
           <p:cNvPr id="2" name="Title 1">
             <a:extLst>
               <a:ext uri="{FF2B5EF4-FFF2-40B4-BE49-F238E27FC236}">
+                <a16:creationId xmlns:a16="http://schemas.microsoft.com/office/drawing/2014/main" id="{25E0D7AD-6158-34C5-9A08-CC92604213AD}"/>
+              </a:ext>
+            </a:extLst>
+          </p:cNvPr>
+          <p:cNvSpPr>
+            <a:spLocks noGrp="1"/>
+          </p:cNvSpPr>
+          <p:nvPr>
+            <p:ph type="title"/>
+          </p:nvPr>
+        </p:nvSpPr>
+        <p:spPr/>
+        <p:txBody>
+          <a:bodyPr/>
+          <a:lstStyle/>
+          <a:p>
+            <a:r>
+              <a:rPr lang="en-US" dirty="0"/>
+              <a:t>Installing everything separately</a:t>
+            </a:r>
+          </a:p>
+        </p:txBody>
+      </p:sp>
+      <p:sp>
+        <p:nvSpPr>
+          <p:cNvPr id="3" name="Content Placeholder 2">
+            <a:extLst>
+              <a:ext uri="{FF2B5EF4-FFF2-40B4-BE49-F238E27FC236}">
+                <a16:creationId xmlns:a16="http://schemas.microsoft.com/office/drawing/2014/main" id="{56BCD919-77F4-F31E-4515-AD44BE750AE8}"/>
+              </a:ext>
+            </a:extLst>
+          </p:cNvPr>
+          <p:cNvSpPr>
+            <a:spLocks noGrp="1"/>
+          </p:cNvSpPr>
+          <p:nvPr>
+            <p:ph idx="1"/>
+          </p:nvPr>
+        </p:nvSpPr>
+        <p:spPr/>
+        <p:txBody>
+          <a:bodyPr/>
+          <a:lstStyle/>
+          <a:p>
+            <a:r>
+              <a:rPr lang="en-US" dirty="0"/>
+              <a:t>First you download and install Python</a:t>
+            </a:r>
+          </a:p>
+          <a:p>
+            <a:r>
+              <a:rPr lang="en-US" dirty="0"/>
+              <a:t>Next, you install </a:t>
+            </a:r>
+            <a:r>
+              <a:rPr lang="en-US" dirty="0" err="1"/>
+              <a:t>VSCode</a:t>
+            </a:r>
+            <a:endParaRPr lang="en-US" dirty="0"/>
+          </a:p>
+          <a:p>
+            <a:r>
+              <a:rPr lang="en-US" dirty="0"/>
+              <a:t>Open a folder in </a:t>
+            </a:r>
+            <a:r>
+              <a:rPr lang="en-US" dirty="0" err="1"/>
+              <a:t>VSCode</a:t>
+            </a:r>
+            <a:r>
+              <a:rPr lang="en-US" dirty="0"/>
+              <a:t> and  create a virtual environment</a:t>
+            </a:r>
+          </a:p>
+          <a:p>
+            <a:r>
+              <a:rPr lang="en-US" dirty="0"/>
+              <a:t>Now start using a </a:t>
+            </a:r>
+            <a:r>
+              <a:rPr lang="en-US" dirty="0" err="1"/>
+              <a:t>Jupyter</a:t>
+            </a:r>
+            <a:r>
+              <a:rPr lang="en-US" dirty="0"/>
+              <a:t> notebook and install all libraries you need using</a:t>
+            </a:r>
+            <a:br>
+              <a:rPr lang="en-US" dirty="0"/>
+            </a:br>
+            <a:r>
+              <a:rPr lang="en-US" dirty="0"/>
+              <a:t>! or %</a:t>
+            </a:r>
+          </a:p>
+        </p:txBody>
+      </p:sp>
+      <p:sp>
+        <p:nvSpPr>
+          <p:cNvPr id="4" name="Slide Number Placeholder 3">
+            <a:extLst>
+              <a:ext uri="{FF2B5EF4-FFF2-40B4-BE49-F238E27FC236}">
+                <a16:creationId xmlns:a16="http://schemas.microsoft.com/office/drawing/2014/main" id="{A60F38D3-C9BD-DE73-4489-285AEA55A974}"/>
+              </a:ext>
+            </a:extLst>
+          </p:cNvPr>
+          <p:cNvSpPr>
+            <a:spLocks noGrp="1"/>
+          </p:cNvSpPr>
+          <p:nvPr>
+            <p:ph type="sldNum" sz="quarter" idx="12"/>
+          </p:nvPr>
+        </p:nvSpPr>
+        <p:spPr/>
+        <p:txBody>
+          <a:bodyPr/>
+          <a:lstStyle/>
+          <a:p>
+            <a:fld id="{FE1B3154-47D9-4402-8EDB-E791933DC0B9}" type="slidenum">
+              <a:rPr lang="nl-BE" smtClean="0"/>
+              <a:pPr/>
+              <a:t>13</a:t>
+            </a:fld>
+            <a:endParaRPr lang="nl-BE"/>
+          </a:p>
+        </p:txBody>
+      </p:sp>
+    </p:spTree>
+    <p:extLst>
+      <p:ext uri="{BB962C8B-B14F-4D97-AF65-F5344CB8AC3E}">
+        <p14:creationId xmlns:p14="http://schemas.microsoft.com/office/powerpoint/2010/main" val="2332936462"/>
+      </p:ext>
+    </p:extLst>
+  </p:cSld>
+  <p:clrMapOvr>
+    <a:masterClrMapping/>
+  </p:clrMapOvr>
+</p:sld>
+</file>
+
+<file path=ppt/slides/slide14.xml><?xml version="1.0" encoding="utf-8"?>
+<p:sld xmlns:a="http://schemas.openxmlformats.org/drawingml/2006/main" xmlns:r="http://schemas.openxmlformats.org/officeDocument/2006/relationships" xmlns:p="http://schemas.openxmlformats.org/presentationml/2006/main">
+  <p:cSld>
+    <p:spTree>
+      <p:nvGrpSpPr>
+        <p:cNvPr id="1" name=""/>
+        <p:cNvGrpSpPr/>
+        <p:nvPr/>
+      </p:nvGrpSpPr>
+      <p:grpSpPr>
+        <a:xfrm>
+          <a:off x="0" y="0"/>
+          <a:ext cx="0" cy="0"/>
+          <a:chOff x="0" y="0"/>
+          <a:chExt cx="0" cy="0"/>
+        </a:xfrm>
+      </p:grpSpPr>
+      <p:sp>
+        <p:nvSpPr>
+          <p:cNvPr id="2" name="Title 1">
+            <a:extLst>
+              <a:ext uri="{FF2B5EF4-FFF2-40B4-BE49-F238E27FC236}">
                 <a16:creationId xmlns:a16="http://schemas.microsoft.com/office/drawing/2014/main" id="{B0603B63-9DD8-9B0B-9DC0-844B96D818BA}"/>
               </a:ext>
             </a:extLst>
@@ -9440,7 +9598,7 @@
         <p:spPr/>
         <p:txBody>
           <a:bodyPr>
-            <a:normAutofit fontScale="85000" lnSpcReduction="20000"/>
+            <a:normAutofit/>
           </a:bodyPr>
           <a:lstStyle/>
           <a:p>
@@ -9449,31 +9607,8 @@
             </a:pPr>
             <a:r>
               <a:rPr lang="en-US" dirty="0"/>
-              <a:t>Anaconda joins a lot of different community-efforts in one installer and packs it with a package manager (</a:t>
-            </a:r>
-            <a:r>
-              <a:rPr lang="en-US" dirty="0" err="1"/>
-              <a:t>conda</a:t>
-            </a:r>
-            <a:r>
-              <a:rPr lang="en-US" dirty="0"/>
-              <a:t>) that adds extra functionality (but doesn't replace pip), but you can install all these manually. This has the advantage that you can upgrade or replace any of them individually.</a:t>
-            </a:r>
-          </a:p>
-          <a:p>
-            <a:endParaRPr lang="en-US" dirty="0"/>
-          </a:p>
-          <a:p>
-            <a:pPr marL="0" indent="0">
-              <a:buNone/>
-            </a:pPr>
-            <a:r>
-              <a:rPr lang="en-US" dirty="0"/>
               <a:t>Positives</a:t>
             </a:r>
-          </a:p>
-          <a:p>
-            <a:endParaRPr lang="en-US" dirty="0"/>
           </a:p>
           <a:p>
             <a:pPr marL="457200" indent="-457200">
@@ -9493,6 +9628,24 @@
             <a:r>
               <a:rPr lang="en-US" dirty="0"/>
               <a:t>Use your favorite IDE to do AI</a:t>
+            </a:r>
+          </a:p>
+          <a:p>
+            <a:pPr marL="457200" indent="-457200">
+              <a:buFont typeface="Arial" panose="020B0604020202020204" pitchFamily="34" charset="0"/>
+              <a:buChar char="•"/>
+            </a:pPr>
+            <a:r>
+              <a:rPr lang="en-US" dirty="0"/>
+              <a:t>Lightweight setup, easily reproducible to </a:t>
+            </a:r>
+            <a:r>
+              <a:rPr lang="en-US" dirty="0" err="1"/>
+              <a:t>github</a:t>
+            </a:r>
+            <a:r>
+              <a:rPr lang="en-US" dirty="0"/>
+              <a:t> or a server</a:t>
             </a:r>
           </a:p>
           <a:p>
@@ -9521,7 +9674,7 @@
             </a:pPr>
             <a:r>
               <a:rPr lang="en-US" dirty="0"/>
-              <a:t>(A lot) more work to get everything installed and cooperating</a:t>
+              <a:t>(A bit) more work to get everything installed and cooperating</a:t>
             </a:r>
           </a:p>
           <a:p>
@@ -9553,7 +9706,7 @@
             <a:fld id="{FE1B3154-47D9-4402-8EDB-E791933DC0B9}" type="slidenum">
               <a:rPr lang="nl-BE" smtClean="0"/>
               <a:pPr/>
-              <a:t>13</a:t>
+              <a:t>14</a:t>
             </a:fld>
             <a:endParaRPr lang="nl-BE"/>
           </a:p>
@@ -9581,7 +9734,7 @@
         </p:blipFill>
         <p:spPr>
           <a:xfrm>
-            <a:off x="3647685" y="4799325"/>
+            <a:off x="3664710" y="4470137"/>
             <a:ext cx="2848373" cy="1886213"/>
           </a:xfrm>
           <a:prstGeom prst="rect">
@@ -9754,242 +9907,6 @@
 </p:sld>
 </file>
 
-<file path=ppt/slides/slide14.xml><?xml version="1.0" encoding="utf-8"?>
-<p:sld xmlns:a="http://schemas.openxmlformats.org/drawingml/2006/main" xmlns:r="http://schemas.openxmlformats.org/officeDocument/2006/relationships" xmlns:p="http://schemas.openxmlformats.org/presentationml/2006/main">
-  <p:cSld>
-    <p:spTree>
-      <p:nvGrpSpPr>
-        <p:cNvPr id="1" name=""/>
-        <p:cNvGrpSpPr/>
-        <p:nvPr/>
-      </p:nvGrpSpPr>
-      <p:grpSpPr>
-        <a:xfrm>
-          <a:off x="0" y="0"/>
-          <a:ext cx="0" cy="0"/>
-          <a:chOff x="0" y="0"/>
-          <a:chExt cx="0" cy="0"/>
-        </a:xfrm>
-      </p:grpSpPr>
-      <p:sp>
-        <p:nvSpPr>
-          <p:cNvPr id="2" name="Title 1">
-            <a:extLst>
-              <a:ext uri="{FF2B5EF4-FFF2-40B4-BE49-F238E27FC236}">
-                <a16:creationId xmlns:a16="http://schemas.microsoft.com/office/drawing/2014/main" id="{C332FA94-D12D-C70E-9DFA-2E49C289D38A}"/>
-              </a:ext>
-            </a:extLst>
-          </p:cNvPr>
-          <p:cNvSpPr>
-            <a:spLocks noGrp="1"/>
-          </p:cNvSpPr>
-          <p:nvPr>
-            <p:ph type="title"/>
-          </p:nvPr>
-        </p:nvSpPr>
-        <p:spPr/>
-        <p:txBody>
-          <a:bodyPr/>
-          <a:lstStyle/>
-          <a:p>
-            <a:r>
-              <a:rPr lang="en-US" dirty="0"/>
-              <a:t>How?</a:t>
-            </a:r>
-            <a:endParaRPr lang="en-BE" dirty="0"/>
-          </a:p>
-        </p:txBody>
-      </p:sp>
-      <p:sp>
-        <p:nvSpPr>
-          <p:cNvPr id="3" name="Content Placeholder 2">
-            <a:extLst>
-              <a:ext uri="{FF2B5EF4-FFF2-40B4-BE49-F238E27FC236}">
-                <a16:creationId xmlns:a16="http://schemas.microsoft.com/office/drawing/2014/main" id="{2CCCE0B3-A610-0436-4519-4F9A7F8ABFA5}"/>
-              </a:ext>
-            </a:extLst>
-          </p:cNvPr>
-          <p:cNvSpPr>
-            <a:spLocks noGrp="1"/>
-          </p:cNvSpPr>
-          <p:nvPr>
-            <p:ph idx="1"/>
-          </p:nvPr>
-        </p:nvSpPr>
-        <p:spPr/>
-        <p:txBody>
-          <a:bodyPr>
-            <a:normAutofit fontScale="92500" lnSpcReduction="20000"/>
-          </a:bodyPr>
-          <a:lstStyle/>
-          <a:p>
-            <a:pPr marL="457200" indent="-457200">
-              <a:buFont typeface="Arial" panose="020B0604020202020204" pitchFamily="34" charset="0"/>
-              <a:buChar char="•"/>
-            </a:pPr>
-            <a:r>
-              <a:rPr lang="en-US" dirty="0"/>
-              <a:t>Download and install Python</a:t>
-            </a:r>
-          </a:p>
-          <a:p>
-            <a:pPr marL="817200" lvl="1" indent="-457200">
-              <a:buFont typeface="Arial" panose="020B0604020202020204" pitchFamily="34" charset="0"/>
-              <a:buChar char="•"/>
-            </a:pPr>
-            <a:r>
-              <a:rPr lang="en-US" dirty="0"/>
-              <a:t>Adding Python to the path will save you a lot of typing later</a:t>
-            </a:r>
-          </a:p>
-          <a:p>
-            <a:pPr marL="457200" indent="-457200">
-              <a:buFont typeface="Arial" panose="020B0604020202020204" pitchFamily="34" charset="0"/>
-              <a:buChar char="•"/>
-            </a:pPr>
-            <a:r>
-              <a:rPr lang="en-US" dirty="0"/>
-              <a:t>Download and install </a:t>
-            </a:r>
-            <a:r>
-              <a:rPr lang="en-US" dirty="0" err="1"/>
-              <a:t>VSCode</a:t>
-            </a:r>
-            <a:endParaRPr lang="en-US" dirty="0"/>
-          </a:p>
-          <a:p>
-            <a:pPr marL="817200" lvl="1" indent="-457200">
-              <a:buFont typeface="Arial" panose="020B0604020202020204" pitchFamily="34" charset="0"/>
-              <a:buChar char="•"/>
-            </a:pPr>
-            <a:r>
-              <a:rPr lang="en-US" dirty="0"/>
-              <a:t>Also download and install the Python-addons for </a:t>
-            </a:r>
-            <a:r>
-              <a:rPr lang="en-US" dirty="0" err="1"/>
-              <a:t>VSCode</a:t>
-            </a:r>
-            <a:endParaRPr lang="en-US" dirty="0"/>
-          </a:p>
-          <a:p>
-            <a:pPr marL="817200" lvl="1" indent="-457200">
-              <a:buFont typeface="Arial" panose="020B0604020202020204" pitchFamily="34" charset="0"/>
-              <a:buChar char="•"/>
-            </a:pPr>
-            <a:r>
-              <a:rPr lang="en-US" dirty="0" err="1"/>
-              <a:t>VSCode</a:t>
-            </a:r>
-            <a:r>
-              <a:rPr lang="en-US" dirty="0"/>
-              <a:t> will suggest the good ones once you start creating files</a:t>
-            </a:r>
-          </a:p>
-          <a:p>
-            <a:endParaRPr lang="en-US" dirty="0"/>
-          </a:p>
-          <a:p>
-            <a:r>
-              <a:rPr lang="en-US" dirty="0"/>
-              <a:t>Installing an extra library:</a:t>
-            </a:r>
-          </a:p>
-          <a:p>
-            <a:pPr marL="457200" indent="-457200">
-              <a:buFont typeface="Arial" panose="020B0604020202020204" pitchFamily="34" charset="0"/>
-              <a:buChar char="•"/>
-            </a:pPr>
-            <a:endParaRPr lang="en-US" dirty="0"/>
-          </a:p>
-          <a:p>
-            <a:pPr marL="457200" indent="-457200">
-              <a:buFont typeface="Arial" panose="020B0604020202020204" pitchFamily="34" charset="0"/>
-              <a:buChar char="•"/>
-            </a:pPr>
-            <a:r>
-              <a:rPr lang="en-US" dirty="0"/>
-              <a:t>Open a command prompt</a:t>
-            </a:r>
-          </a:p>
-          <a:p>
-            <a:pPr marL="457200" indent="-457200">
-              <a:buFont typeface="Arial" panose="020B0604020202020204" pitchFamily="34" charset="0"/>
-              <a:buChar char="•"/>
-            </a:pPr>
-            <a:r>
-              <a:rPr lang="en-US" dirty="0"/>
-              <a:t>Go to the folder where Python is installed</a:t>
-            </a:r>
-          </a:p>
-          <a:p>
-            <a:pPr marL="817200" lvl="1" indent="-457200">
-              <a:buFont typeface="Arial" panose="020B0604020202020204" pitchFamily="34" charset="0"/>
-              <a:buChar char="•"/>
-            </a:pPr>
-            <a:r>
-              <a:rPr lang="en-US" sz="2200" dirty="0"/>
-              <a:t>E.g.  C:/Users/Gebruiker/AppData/Local/Programs/Python/Python38-32/python.exe</a:t>
-            </a:r>
-          </a:p>
-          <a:p>
-            <a:pPr marL="457200" indent="-457200">
-              <a:buFont typeface="Arial" panose="020B0604020202020204" pitchFamily="34" charset="0"/>
-              <a:buChar char="•"/>
-            </a:pPr>
-            <a:r>
-              <a:rPr lang="en-US" dirty="0"/>
-              <a:t>Run  python.exe -m pip install -U pandas --user</a:t>
-            </a:r>
-          </a:p>
-          <a:p>
-            <a:endParaRPr lang="en-BE" dirty="0"/>
-          </a:p>
-        </p:txBody>
-      </p:sp>
-      <p:sp>
-        <p:nvSpPr>
-          <p:cNvPr id="4" name="Slide Number Placeholder 3">
-            <a:extLst>
-              <a:ext uri="{FF2B5EF4-FFF2-40B4-BE49-F238E27FC236}">
-                <a16:creationId xmlns:a16="http://schemas.microsoft.com/office/drawing/2014/main" id="{9CE7E7DD-CB41-15B1-6F6E-100333E33520}"/>
-              </a:ext>
-            </a:extLst>
-          </p:cNvPr>
-          <p:cNvSpPr>
-            <a:spLocks noGrp="1"/>
-          </p:cNvSpPr>
-          <p:nvPr>
-            <p:ph type="sldNum" sz="quarter" idx="12"/>
-          </p:nvPr>
-        </p:nvSpPr>
-        <p:spPr/>
-        <p:txBody>
-          <a:bodyPr/>
-          <a:lstStyle/>
-          <a:p>
-            <a:fld id="{FE1B3154-47D9-4402-8EDB-E791933DC0B9}" type="slidenum">
-              <a:rPr lang="nl-BE" smtClean="0"/>
-              <a:pPr/>
-              <a:t>14</a:t>
-            </a:fld>
-            <a:endParaRPr lang="nl-BE"/>
-          </a:p>
-        </p:txBody>
-      </p:sp>
-    </p:spTree>
-    <p:extLst>
-      <p:ext uri="{BB962C8B-B14F-4D97-AF65-F5344CB8AC3E}">
-        <p14:creationId xmlns:p14="http://schemas.microsoft.com/office/powerpoint/2010/main" val="3135702349"/>
-      </p:ext>
-    </p:extLst>
-  </p:cSld>
-  <p:clrMapOvr>
-    <a:masterClrMapping/>
-  </p:clrMapOvr>
-</p:sld>
-</file>
-
 <file path=ppt/slides/slide15.xml><?xml version="1.0" encoding="utf-8"?>
 <p:sld xmlns:a="http://schemas.openxmlformats.org/drawingml/2006/main" xmlns:r="http://schemas.openxmlformats.org/officeDocument/2006/relationships" xmlns:p="http://schemas.openxmlformats.org/presentationml/2006/main">
   <p:cSld>
@@ -10263,7 +10180,7 @@
           <a:p>
             <a:r>
               <a:rPr lang="en-US" dirty="0"/>
-              <a:t>The problem:</a:t>
+              <a:t>Why use a virtual environment?</a:t>
             </a:r>
             <a:endParaRPr lang="en-BE" dirty="0"/>
           </a:p>
@@ -10830,41 +10747,41 @@
           <a:chExt cx="0" cy="0"/>
         </a:xfrm>
       </p:grpSpPr>
-      <p:pic>
-        <p:nvPicPr>
-          <p:cNvPr id="5" name="Picture 4" descr="Graphical user interface, application&#10;&#10;Description automatically generated">
+      <p:sp>
+        <p:nvSpPr>
+          <p:cNvPr id="2" name="Title 1">
             <a:extLst>
               <a:ext uri="{FF2B5EF4-FFF2-40B4-BE49-F238E27FC236}">
-                <a16:creationId xmlns:a16="http://schemas.microsoft.com/office/drawing/2014/main" id="{955D762F-AE9C-B0CD-792F-7B04320A2C59}"/>
+                <a16:creationId xmlns:a16="http://schemas.microsoft.com/office/drawing/2014/main" id="{154E90D4-7C2B-D6EE-F35B-39B0E9D1F745}"/>
               </a:ext>
             </a:extLst>
           </p:cNvPr>
-          <p:cNvPicPr>
-            <a:picLocks noChangeAspect="1"/>
-          </p:cNvPicPr>
-          <p:nvPr/>
-        </p:nvPicPr>
-        <p:blipFill rotWithShape="1">
-          <a:blip r:embed="rId2"/>
-          <a:srcRect l="28426"/>
-          <a:stretch/>
-        </p:blipFill>
-        <p:spPr>
-          <a:xfrm>
-            <a:off x="6365289" y="0"/>
-            <a:ext cx="5826710" cy="6858000"/>
-          </a:xfrm>
-          <a:prstGeom prst="rect">
-            <a:avLst/>
-          </a:prstGeom>
-        </p:spPr>
-      </p:pic>
-      <p:sp>
-        <p:nvSpPr>
-          <p:cNvPr id="2" name="Title 1">
+          <p:cNvSpPr>
+            <a:spLocks noGrp="1"/>
+          </p:cNvSpPr>
+          <p:nvPr>
+            <p:ph type="title"/>
+          </p:nvPr>
+        </p:nvSpPr>
+        <p:spPr/>
+        <p:txBody>
+          <a:bodyPr/>
+          <a:lstStyle/>
+          <a:p>
+            <a:r>
+              <a:rPr lang="en-US" dirty="0"/>
+              <a:t>Using virtual environments in Python</a:t>
+            </a:r>
+            <a:endParaRPr lang="en-BE" dirty="0"/>
+          </a:p>
+        </p:txBody>
+      </p:sp>
+      <p:sp>
+        <p:nvSpPr>
+          <p:cNvPr id="3" name="Content Placeholder 2">
             <a:extLst>
               <a:ext uri="{FF2B5EF4-FFF2-40B4-BE49-F238E27FC236}">
-                <a16:creationId xmlns:a16="http://schemas.microsoft.com/office/drawing/2014/main" id="{76451AEF-E154-8B45-97B2-DA14175CA2D1}"/>
+                <a16:creationId xmlns:a16="http://schemas.microsoft.com/office/drawing/2014/main" id="{64847264-9B9C-8CEF-528F-EE9D8D366BF1}"/>
               </a:ext>
             </a:extLst>
           </p:cNvPr>
@@ -10872,53 +10789,24 @@
             <a:spLocks noGrp="1"/>
           </p:cNvSpPr>
           <p:nvPr>
-            <p:ph type="title"/>
-          </p:nvPr>
-        </p:nvSpPr>
-        <p:spPr>
-          <a:solidFill>
-            <a:schemeClr val="bg1"/>
-          </a:solidFill>
-        </p:spPr>
+            <p:ph idx="1"/>
+          </p:nvPr>
+        </p:nvSpPr>
+        <p:spPr/>
         <p:txBody>
           <a:bodyPr>
-            <a:normAutofit fontScale="90000"/>
+            <a:normAutofit lnSpcReduction="10000"/>
           </a:bodyPr>
           <a:lstStyle/>
           <a:p>
             <a:r>
               <a:rPr lang="en-US" dirty="0"/>
-              <a:t>Creating a new virtual environment in Anaconda</a:t>
-            </a:r>
-            <a:endParaRPr lang="en-BE" dirty="0"/>
-          </a:p>
-        </p:txBody>
-      </p:sp>
-      <p:sp>
-        <p:nvSpPr>
-          <p:cNvPr id="3" name="Content Placeholder 2">
-            <a:extLst>
-              <a:ext uri="{FF2B5EF4-FFF2-40B4-BE49-F238E27FC236}">
-                <a16:creationId xmlns:a16="http://schemas.microsoft.com/office/drawing/2014/main" id="{8D30A1CF-7F66-CD79-A42F-BE91EFC67FD2}"/>
-              </a:ext>
-            </a:extLst>
-          </p:cNvPr>
-          <p:cNvSpPr>
-            <a:spLocks noGrp="1"/>
-          </p:cNvSpPr>
-          <p:nvPr>
-            <p:ph idx="1"/>
-          </p:nvPr>
-        </p:nvSpPr>
-        <p:spPr>
-          <a:xfrm>
-            <a:off x="582705" y="1550894"/>
-            <a:ext cx="5680935" cy="4626069"/>
-          </a:xfrm>
-        </p:spPr>
-        <p:txBody>
-          <a:bodyPr/>
-          <a:lstStyle/>
+              <a:t>Using virtual environments in Python is a great way of keeping a project “in working condition” and also of not installing all libraries in the basic Python-interpreter.</a:t>
+            </a:r>
+          </a:p>
+          <a:p>
+            <a:endParaRPr lang="en-US" dirty="0"/>
+          </a:p>
           <a:p>
             <a:pPr marL="457200" indent="-457200">
               <a:buFont typeface="Arial" panose="020B0604020202020204" pitchFamily="34" charset="0"/>
@@ -10926,7 +10814,7 @@
             </a:pPr>
             <a:r>
               <a:rPr lang="en-US" dirty="0"/>
-              <a:t>Open Anaconda navigator</a:t>
+              <a:t>Create a new folder</a:t>
             </a:r>
           </a:p>
           <a:p>
@@ -10936,7 +10824,15 @@
             </a:pPr>
             <a:r>
               <a:rPr lang="en-US" dirty="0"/>
-              <a:t>Click "Environments"</a:t>
+              <a:t>Open </a:t>
+            </a:r>
+            <a:r>
+              <a:rPr lang="en-US" dirty="0" err="1"/>
+              <a:t>VSCode</a:t>
+            </a:r>
+            <a:r>
+              <a:rPr lang="en-US" dirty="0"/>
+              <a:t> in that folder (File – open folder)</a:t>
             </a:r>
           </a:p>
           <a:p>
@@ -10946,7 +10842,65 @@
             </a:pPr>
             <a:r>
               <a:rPr lang="en-US" dirty="0"/>
-              <a:t>Click "Create" (at the bottom)</a:t>
+              <a:t>In terminal, type</a:t>
+            </a:r>
+          </a:p>
+          <a:p>
+            <a:pPr marL="817200" lvl="1" indent="-457200">
+              <a:buFont typeface="Arial" panose="020B0604020202020204" pitchFamily="34" charset="0"/>
+              <a:buChar char="•"/>
+            </a:pPr>
+            <a:r>
+              <a:rPr lang="en-US" dirty="0">
+                <a:latin typeface="Courier New" panose="02070309020205020404" pitchFamily="49" charset="0"/>
+                <a:cs typeface="Courier New" panose="02070309020205020404" pitchFamily="49" charset="0"/>
+              </a:rPr>
+              <a:t>python -m </a:t>
+            </a:r>
+            <a:r>
+              <a:rPr lang="en-US" dirty="0" err="1">
+                <a:latin typeface="Courier New" panose="02070309020205020404" pitchFamily="49" charset="0"/>
+                <a:cs typeface="Courier New" panose="02070309020205020404" pitchFamily="49" charset="0"/>
+              </a:rPr>
+              <a:t>venv</a:t>
+            </a:r>
+            <a:r>
+              <a:rPr lang="en-US" dirty="0">
+                <a:latin typeface="Courier New" panose="02070309020205020404" pitchFamily="49" charset="0"/>
+                <a:cs typeface="Courier New" panose="02070309020205020404" pitchFamily="49" charset="0"/>
+              </a:rPr>
+              <a:t> </a:t>
+            </a:r>
+            <a:r>
+              <a:rPr lang="en-US" dirty="0" err="1">
+                <a:latin typeface="Courier New" panose="02070309020205020404" pitchFamily="49" charset="0"/>
+                <a:cs typeface="Courier New" panose="02070309020205020404" pitchFamily="49" charset="0"/>
+              </a:rPr>
+              <a:t>venv</a:t>
+            </a:r>
+            <a:endParaRPr lang="en-US" dirty="0">
+              <a:latin typeface="Courier New" panose="02070309020205020404" pitchFamily="49" charset="0"/>
+              <a:cs typeface="Courier New" panose="02070309020205020404" pitchFamily="49" charset="0"/>
+            </a:endParaRPr>
+          </a:p>
+          <a:p>
+            <a:pPr marL="817200" lvl="1" indent="-457200">
+              <a:buFont typeface="Arial" panose="020B0604020202020204" pitchFamily="34" charset="0"/>
+              <a:buChar char="•"/>
+            </a:pPr>
+            <a:r>
+              <a:rPr lang="en-US" dirty="0" err="1">
+                <a:latin typeface="Courier New" panose="02070309020205020404" pitchFamily="49" charset="0"/>
+                <a:cs typeface="Courier New" panose="02070309020205020404" pitchFamily="49" charset="0"/>
+              </a:rPr>
+              <a:t>venv</a:t>
+            </a:r>
+            <a:r>
+              <a:rPr lang="en-US" dirty="0">
+                <a:latin typeface="Courier New" panose="02070309020205020404" pitchFamily="49" charset="0"/>
+                <a:cs typeface="Courier New" panose="02070309020205020404" pitchFamily="49" charset="0"/>
+              </a:rPr>
+              <a:t>/Scripts/activate</a:t>
             </a:r>
           </a:p>
           <a:p>
@@ -10955,18 +10909,22 @@
               <a:buChar char="•"/>
             </a:pPr>
             <a:r>
-              <a:rPr lang="en-US" dirty="0"/>
-              <a:t>Call it "my_venv_1"</a:t>
-            </a:r>
-          </a:p>
-          <a:p>
-            <a:pPr marL="817200" lvl="1" indent="-457200">
-              <a:buFont typeface="Arial" panose="020B0604020202020204" pitchFamily="34" charset="0"/>
-              <a:buChar char="•"/>
-            </a:pPr>
-            <a:r>
-              <a:rPr lang="en-US" dirty="0"/>
-              <a:t>Spaces or special characters in the name work, but will give issues when exporting</a:t>
+              <a:rPr lang="en-US" dirty="0">
+                <a:cs typeface="Courier New" panose="02070309020205020404" pitchFamily="49" charset="0"/>
+              </a:rPr>
+              <a:t>The prompt changes to “(</a:t>
+            </a:r>
+            <a:r>
+              <a:rPr lang="en-US" dirty="0" err="1">
+                <a:cs typeface="Courier New" panose="02070309020205020404" pitchFamily="49" charset="0"/>
+              </a:rPr>
+              <a:t>foldername</a:t>
+            </a:r>
+            <a:r>
+              <a:rPr lang="en-US" dirty="0">
+                <a:cs typeface="Courier New" panose="02070309020205020404" pitchFamily="49" charset="0"/>
+              </a:rPr>
+              <a:t>) c:\...”</a:t>
             </a:r>
           </a:p>
           <a:p>
@@ -10974,28 +10932,19 @@
               <a:buFont typeface="Arial" panose="020B0604020202020204" pitchFamily="34" charset="0"/>
               <a:buChar char="•"/>
             </a:pPr>
-            <a:r>
-              <a:rPr lang="en-US" dirty="0"/>
-              <a:t>the </a:t>
-            </a:r>
-            <a:r>
-              <a:rPr lang="en-US" dirty="0" err="1"/>
-              <a:t>yaml</a:t>
-            </a:r>
-            <a:r>
-              <a:rPr lang="en-US" dirty="0"/>
-              <a:t>-file.</a:t>
-            </a:r>
+            <a:endParaRPr lang="en-US" dirty="0">
+              <a:cs typeface="Courier New" panose="02070309020205020404" pitchFamily="49" charset="0"/>
+            </a:endParaRPr>
           </a:p>
           <a:p>
             <a:pPr marL="457200" indent="-457200">
               <a:buFont typeface="Arial" panose="020B0604020202020204" pitchFamily="34" charset="0"/>
               <a:buChar char="•"/>
             </a:pPr>
-            <a:r>
-              <a:rPr lang="en-US" dirty="0"/>
-              <a:t>Click "Create"</a:t>
-            </a:r>
+            <a:endParaRPr lang="en-US" dirty="0">
+              <a:latin typeface="+mn-lt"/>
+              <a:cs typeface="Courier New" panose="02070309020205020404" pitchFamily="49" charset="0"/>
+            </a:endParaRPr>
           </a:p>
           <a:p>
             <a:endParaRPr lang="en-BE" dirty="0"/>
@@ -11007,7 +10956,7 @@
           <p:cNvPr id="4" name="Slide Number Placeholder 3">
             <a:extLst>
               <a:ext uri="{FF2B5EF4-FFF2-40B4-BE49-F238E27FC236}">
-                <a16:creationId xmlns:a16="http://schemas.microsoft.com/office/drawing/2014/main" id="{5EF89524-9B1F-4972-4D49-1CA4137EC812}"/>
+                <a16:creationId xmlns:a16="http://schemas.microsoft.com/office/drawing/2014/main" id="{BF930523-E1F4-8800-2A38-280644E0BCB5}"/>
               </a:ext>
             </a:extLst>
           </p:cNvPr>
@@ -11035,7 +10984,7 @@
     </p:spTree>
     <p:extLst>
       <p:ext uri="{BB962C8B-B14F-4D97-AF65-F5344CB8AC3E}">
-        <p14:creationId xmlns:p14="http://schemas.microsoft.com/office/powerpoint/2010/main" val="506729089"/>
+        <p14:creationId xmlns:p14="http://schemas.microsoft.com/office/powerpoint/2010/main" val="2077017320"/>
       </p:ext>
     </p:extLst>
   </p:cSld>
@@ -11231,7 +11180,7 @@
           <p:cNvPr id="2" name="Title 1">
             <a:extLst>
               <a:ext uri="{FF2B5EF4-FFF2-40B4-BE49-F238E27FC236}">
-                <a16:creationId xmlns:a16="http://schemas.microsoft.com/office/drawing/2014/main" id="{485F97E1-A0A5-143F-195B-0E1280C303FD}"/>
+                <a16:creationId xmlns:a16="http://schemas.microsoft.com/office/drawing/2014/main" id="{593311B5-3649-BC89-12AE-6CB0A918D7CF}"/>
               </a:ext>
             </a:extLst>
           </p:cNvPr>
@@ -11249,7 +11198,7 @@
           <a:p>
             <a:r>
               <a:rPr lang="en-US" dirty="0"/>
-              <a:t>Using a </a:t>
+              <a:t>Do we need </a:t>
             </a:r>
             <a:r>
               <a:rPr lang="en-US" dirty="0" err="1"/>
@@ -11257,7 +11206,7 @@
             </a:r>
             <a:r>
               <a:rPr lang="en-US" dirty="0"/>
-              <a:t> in Anaconda</a:t>
+              <a:t> in docker?</a:t>
             </a:r>
             <a:endParaRPr lang="en-BE" dirty="0"/>
           </a:p>
@@ -11268,7 +11217,7 @@
           <p:cNvPr id="3" name="Content Placeholder 2">
             <a:extLst>
               <a:ext uri="{FF2B5EF4-FFF2-40B4-BE49-F238E27FC236}">
-                <a16:creationId xmlns:a16="http://schemas.microsoft.com/office/drawing/2014/main" id="{520FECA9-6795-0BF8-4B45-BA2B9CB9CD9E}"/>
+                <a16:creationId xmlns:a16="http://schemas.microsoft.com/office/drawing/2014/main" id="{FBF574F4-304F-557D-4A7F-91CC67E9C905}"/>
               </a:ext>
             </a:extLst>
           </p:cNvPr>
@@ -11281,42 +11230,44 @@
         </p:nvSpPr>
         <p:spPr/>
         <p:txBody>
-          <a:bodyPr>
-            <a:normAutofit lnSpcReduction="10000"/>
-          </a:bodyPr>
+          <a:bodyPr/>
           <a:lstStyle/>
           <a:p>
-            <a:pPr marL="457200" indent="-457200">
-              <a:buFont typeface="Arial" panose="020B0604020202020204" pitchFamily="34" charset="0"/>
-              <a:buChar char="•"/>
+            <a:pPr marL="0" indent="0">
+              <a:buNone/>
             </a:pPr>
             <a:r>
               <a:rPr lang="en-US" dirty="0"/>
-              <a:t>Select the </a:t>
+              <a:t>No, when using anaconda (or </a:t>
             </a:r>
             <a:r>
               <a:rPr lang="en-US" dirty="0" err="1"/>
-              <a:t>venv</a:t>
-            </a:r>
-            <a:r>
-              <a:rPr lang="en-US" dirty="0"/>
-              <a:t> in "Environments"</a:t>
-            </a:r>
-          </a:p>
-          <a:p>
-            <a:pPr marL="457200" indent="-457200">
-              <a:buFont typeface="Arial" panose="020B0604020202020204" pitchFamily="34" charset="0"/>
-              <a:buChar char="•"/>
-            </a:pPr>
-            <a:r>
-              <a:rPr lang="en-US" dirty="0"/>
-              <a:t>Go back to home, and...</a:t>
-            </a:r>
-          </a:p>
-          <a:p>
-            <a:pPr marL="457200" indent="-457200">
-              <a:buFont typeface="Arial" panose="020B0604020202020204" pitchFamily="34" charset="0"/>
-              <a:buChar char="•"/>
+              <a:t>Jupyter</a:t>
+            </a:r>
+            <a:r>
+              <a:rPr lang="en-US" dirty="0"/>
+              <a:t>) in docker, we simply use one container per project. The </a:t>
+            </a:r>
+            <a:r>
+              <a:rPr lang="en-US" dirty="0" err="1"/>
+              <a:t>Dockerfile</a:t>
+            </a:r>
+            <a:r>
+              <a:rPr lang="en-US" dirty="0"/>
+              <a:t> will take care of installing the requirements. When it needs training move it over to the Kubernetes-cluster with massive GPU, when no longer working on it, store in </a:t>
+            </a:r>
+            <a:r>
+              <a:rPr lang="en-US" dirty="0" err="1"/>
+              <a:t>Github</a:t>
+            </a:r>
+            <a:r>
+              <a:rPr lang="en-US" dirty="0"/>
+              <a:t>.</a:t>
+            </a:r>
+          </a:p>
+          <a:p>
+            <a:pPr marL="0" indent="0">
+              <a:buNone/>
             </a:pPr>
             <a:endParaRPr lang="en-US" dirty="0"/>
           </a:p>
@@ -11325,32 +11276,18 @@
               <a:buNone/>
             </a:pPr>
             <a:r>
-              <a:rPr lang="en-US" dirty="0"/>
-              <a:t>Now you see the problem: the new environment is empty. You created one, but none of the libraries that Anaconda has are installed. This is unfortunate, because having these is</a:t>
+              <a:rPr lang="en-US" dirty="0" err="1"/>
+              <a:t>Github</a:t>
+            </a:r>
+            <a:r>
+              <a:rPr lang="en-US" dirty="0"/>
+              <a:t>, by the way: setup a continuous integration-pipeline (the CI in CI/CD) to use the same environment with dozens of developers. Works great…</a:t>
             </a:r>
           </a:p>
           <a:p>
             <a:pPr marL="0" indent="0">
               <a:buNone/>
             </a:pPr>
-            <a:r>
-              <a:rPr lang="en-US" dirty="0"/>
-              <a:t>the big advantage in using Anaconda.</a:t>
-            </a:r>
-          </a:p>
-          <a:p>
-            <a:endParaRPr lang="en-US" dirty="0"/>
-          </a:p>
-          <a:p>
-            <a:pPr marL="0" indent="0">
-              <a:buNone/>
-            </a:pPr>
-            <a:r>
-              <a:rPr lang="en-US" dirty="0"/>
-              <a:t>... And note how you can clone the new environment you just made, but you can't clone the base. You can, but you have to do it in the prompt.</a:t>
-            </a:r>
-          </a:p>
-          <a:p>
             <a:endParaRPr lang="en-BE" dirty="0"/>
           </a:p>
         </p:txBody>
@@ -11360,7 +11297,7 @@
           <p:cNvPr id="4" name="Slide Number Placeholder 3">
             <a:extLst>
               <a:ext uri="{FF2B5EF4-FFF2-40B4-BE49-F238E27FC236}">
-                <a16:creationId xmlns:a16="http://schemas.microsoft.com/office/drawing/2014/main" id="{573F2D6C-6859-5E37-1575-A464B5F8A9B4}"/>
+                <a16:creationId xmlns:a16="http://schemas.microsoft.com/office/drawing/2014/main" id="{202BBCF4-7B36-20D1-1BF9-B123A6B0807E}"/>
               </a:ext>
             </a:extLst>
           </p:cNvPr>
@@ -11388,7 +11325,7 @@
     </p:spTree>
     <p:extLst>
       <p:ext uri="{BB962C8B-B14F-4D97-AF65-F5344CB8AC3E}">
-        <p14:creationId xmlns:p14="http://schemas.microsoft.com/office/powerpoint/2010/main" val="3816042127"/>
+        <p14:creationId xmlns:p14="http://schemas.microsoft.com/office/powerpoint/2010/main" val="9176211"/>
       </p:ext>
     </p:extLst>
   </p:cSld>
@@ -11420,7 +11357,7 @@
           <p:cNvPr id="2" name="Title 1">
             <a:extLst>
               <a:ext uri="{FF2B5EF4-FFF2-40B4-BE49-F238E27FC236}">
-                <a16:creationId xmlns:a16="http://schemas.microsoft.com/office/drawing/2014/main" id="{C65C3116-F42C-F5F4-ECB5-037CF232E8CD}"/>
+                <a16:creationId xmlns:a16="http://schemas.microsoft.com/office/drawing/2014/main" id="{F10E626D-C77F-0721-4692-F7AD5E8E00FD}"/>
               </a:ext>
             </a:extLst>
           </p:cNvPr>
@@ -11438,18 +11375,17 @@
           <a:p>
             <a:r>
               <a:rPr lang="en-US" dirty="0"/>
-              <a:t>Adding a library to an environment</a:t>
-            </a:r>
-            <a:endParaRPr lang="en-BE" dirty="0"/>
-          </a:p>
-        </p:txBody>
-      </p:sp>
-      <p:sp>
-        <p:nvSpPr>
-          <p:cNvPr id="5" name="Content Placeholder 4">
+              <a:t>Saving a virtual environment</a:t>
+            </a:r>
+          </a:p>
+        </p:txBody>
+      </p:sp>
+      <p:sp>
+        <p:nvSpPr>
+          <p:cNvPr id="3" name="Content Placeholder 2">
             <a:extLst>
               <a:ext uri="{FF2B5EF4-FFF2-40B4-BE49-F238E27FC236}">
-                <a16:creationId xmlns:a16="http://schemas.microsoft.com/office/drawing/2014/main" id="{9579DCB4-73E8-458F-8806-BC32708B117E}"/>
+                <a16:creationId xmlns:a16="http://schemas.microsoft.com/office/drawing/2014/main" id="{3A7F16FE-2419-9B89-A508-C1962D844D64}"/>
               </a:ext>
             </a:extLst>
           </p:cNvPr>
@@ -11457,177 +11393,81 @@
             <a:spLocks noGrp="1"/>
           </p:cNvSpPr>
           <p:nvPr>
-            <p:ph sz="half" idx="1"/>
+            <p:ph idx="1"/>
           </p:nvPr>
         </p:nvSpPr>
         <p:spPr/>
         <p:txBody>
-          <a:bodyPr>
-            <a:normAutofit fontScale="85000" lnSpcReduction="20000"/>
-          </a:bodyPr>
+          <a:bodyPr/>
           <a:lstStyle/>
           <a:p>
-            <a:pPr marL="0" indent="0">
-              <a:buNone/>
-            </a:pPr>
-            <a:r>
-              <a:rPr lang="en-US" dirty="0"/>
-              <a:t>Using the terminal:</a:t>
-            </a:r>
-          </a:p>
-          <a:p>
-            <a:pPr marL="342900" indent="-342900">
-              <a:buFont typeface="Arial" panose="020B0604020202020204" pitchFamily="34" charset="0"/>
-              <a:buChar char="•"/>
-            </a:pPr>
-            <a:r>
-              <a:rPr lang="en-US" dirty="0"/>
-              <a:t>Click the arrow next to the environment</a:t>
-            </a:r>
-          </a:p>
-          <a:p>
-            <a:pPr marL="342900" indent="-342900">
-              <a:buFont typeface="Arial" panose="020B0604020202020204" pitchFamily="34" charset="0"/>
-              <a:buChar char="•"/>
-            </a:pPr>
-            <a:r>
-              <a:rPr lang="en-US" dirty="0"/>
-              <a:t>Select "Open Terminal“</a:t>
-            </a:r>
-          </a:p>
-          <a:p>
-            <a:pPr marL="342900" indent="-342900">
-              <a:buFont typeface="Arial" panose="020B0604020202020204" pitchFamily="34" charset="0"/>
-              <a:buChar char="•"/>
-            </a:pPr>
-            <a:r>
-              <a:rPr lang="en-US" dirty="0"/>
-              <a:t>Type:</a:t>
-            </a:r>
-          </a:p>
-          <a:p>
-            <a:endParaRPr lang="en-US" dirty="0"/>
-          </a:p>
-          <a:p>
+            <a:r>
+              <a:rPr lang="en-US" dirty="0"/>
+              <a:t>When uploading a project to </a:t>
+            </a:r>
             <a:r>
               <a:rPr lang="en-US" dirty="0" err="1"/>
-              <a:t>conda</a:t>
-            </a:r>
-            <a:r>
-              <a:rPr lang="en-US" dirty="0"/>
-              <a:t> install pandas</a:t>
-            </a:r>
-            <a:endParaRPr lang="en-BE" dirty="0"/>
-          </a:p>
-        </p:txBody>
-      </p:sp>
-      <p:sp>
-        <p:nvSpPr>
-          <p:cNvPr id="6" name="Content Placeholder 5">
-            <a:extLst>
-              <a:ext uri="{FF2B5EF4-FFF2-40B4-BE49-F238E27FC236}">
-                <a16:creationId xmlns:a16="http://schemas.microsoft.com/office/drawing/2014/main" id="{26AE507A-7BBB-0A67-4798-583186C4A0B6}"/>
-              </a:ext>
-            </a:extLst>
-          </p:cNvPr>
-          <p:cNvSpPr>
-            <a:spLocks noGrp="1"/>
-          </p:cNvSpPr>
-          <p:nvPr>
-            <p:ph sz="half" idx="2"/>
-          </p:nvPr>
-        </p:nvSpPr>
-        <p:spPr>
-          <a:xfrm>
-            <a:off x="6172200" y="1825626"/>
-            <a:ext cx="5181600" cy="3748666"/>
-          </a:xfrm>
-        </p:spPr>
-        <p:txBody>
-          <a:bodyPr>
-            <a:normAutofit fontScale="85000" lnSpcReduction="20000"/>
-          </a:bodyPr>
-          <a:lstStyle/>
-          <a:p>
-            <a:pPr marL="0" indent="0">
-              <a:buNone/>
-            </a:pPr>
-            <a:r>
-              <a:rPr lang="en-US" dirty="0"/>
-              <a:t>Graphically:</a:t>
-            </a:r>
-          </a:p>
-          <a:p>
-            <a:pPr marL="342900" indent="-342900">
-              <a:buFont typeface="Arial" panose="020B0604020202020204" pitchFamily="34" charset="0"/>
-              <a:buChar char="•"/>
-            </a:pPr>
-            <a:r>
-              <a:rPr lang="en-US" dirty="0"/>
-              <a:t>Select the environment</a:t>
-            </a:r>
-          </a:p>
-          <a:p>
-            <a:pPr marL="342900" indent="-342900">
-              <a:buFont typeface="Arial" panose="020B0604020202020204" pitchFamily="34" charset="0"/>
-              <a:buChar char="•"/>
-            </a:pPr>
-            <a:r>
-              <a:rPr lang="en-US" dirty="0"/>
-              <a:t>Look for the library</a:t>
-            </a:r>
-          </a:p>
-          <a:p>
-            <a:pPr marL="342900" indent="-342900">
-              <a:buFont typeface="Arial" panose="020B0604020202020204" pitchFamily="34" charset="0"/>
-              <a:buChar char="•"/>
-            </a:pPr>
-            <a:r>
-              <a:rPr lang="en-US" dirty="0"/>
-              <a:t>Use the dropdown to select </a:t>
-            </a:r>
-          </a:p>
-          <a:p>
-            <a:pPr marL="342900" indent="-342900">
-              <a:buFont typeface="Arial" panose="020B0604020202020204" pitchFamily="34" charset="0"/>
-              <a:buChar char="•"/>
-            </a:pPr>
-            <a:endParaRPr lang="en-US" dirty="0"/>
-          </a:p>
-          <a:p>
-            <a:pPr marL="0" indent="0">
-              <a:buNone/>
-            </a:pPr>
-            <a:r>
-              <a:rPr lang="en-US" dirty="0"/>
-              <a:t>	"Not installed“</a:t>
-            </a:r>
-          </a:p>
-          <a:p>
-            <a:endParaRPr lang="en-US" dirty="0"/>
-          </a:p>
-          <a:p>
-            <a:pPr marL="342900" indent="-342900">
-              <a:buFont typeface="Arial" panose="020B0604020202020204" pitchFamily="34" charset="0"/>
-              <a:buChar char="•"/>
-            </a:pPr>
-            <a:r>
-              <a:rPr lang="en-US" dirty="0"/>
-              <a:t>Check the library</a:t>
-            </a:r>
-          </a:p>
-          <a:p>
-            <a:pPr marL="342900" indent="-342900">
-              <a:buFont typeface="Arial" panose="020B0604020202020204" pitchFamily="34" charset="0"/>
-              <a:buChar char="•"/>
-            </a:pPr>
-            <a:r>
-              <a:rPr lang="en-US" dirty="0"/>
-              <a:t>Click "Apply" at the bottom of the screen</a:t>
-            </a:r>
-          </a:p>
-          <a:p>
-            <a:endParaRPr lang="en-BE" dirty="0"/>
+              <a:t>github</a:t>
+            </a:r>
+            <a:r>
+              <a:rPr lang="en-US" dirty="0"/>
+              <a:t>, you never upload the </a:t>
+            </a:r>
+            <a:r>
+              <a:rPr lang="en-US" dirty="0" err="1"/>
+              <a:t>venv</a:t>
+            </a:r>
+            <a:r>
+              <a:rPr lang="en-US" dirty="0"/>
+              <a:t>-folder</a:t>
+            </a:r>
+          </a:p>
+          <a:p>
+            <a:pPr lvl="1"/>
+            <a:r>
+              <a:rPr lang="en-US" dirty="0"/>
+              <a:t>It contains way too many files that are downloaded from the internet</a:t>
+            </a:r>
+          </a:p>
+          <a:p>
+            <a:r>
+              <a:rPr lang="en-US" dirty="0"/>
+              <a:t>In stead, you export the contents of “pip freeze” to a file (“requirements.txt”)</a:t>
+            </a:r>
+          </a:p>
+          <a:p>
+            <a:pPr lvl="1"/>
+            <a:r>
+              <a:rPr lang="en-US" dirty="0"/>
+              <a:t>Pip freeze &gt; requirements.txt</a:t>
+            </a:r>
+          </a:p>
+          <a:p>
+            <a:r>
+              <a:rPr lang="en-US" dirty="0"/>
+              <a:t>Then you push it to </a:t>
+            </a:r>
+            <a:r>
+              <a:rPr lang="en-US" dirty="0" err="1"/>
+              <a:t>github</a:t>
+            </a:r>
+            <a:r>
+              <a:rPr lang="en-US" dirty="0"/>
+              <a:t> and when you clone it, install the libraries in the file</a:t>
+            </a:r>
+          </a:p>
+          <a:p>
+            <a:pPr lvl="1"/>
+            <a:r>
+              <a:rPr lang="en-US" dirty="0"/>
+              <a:t>Pip install –r requirements.txt</a:t>
+            </a:r>
+          </a:p>
+          <a:p>
+            <a:r>
+              <a:rPr lang="en-US" dirty="0"/>
+              <a:t>Beware: freezing is a picture taken at a certain time, it doesn’t follow installation of new libraries</a:t>
+            </a:r>
           </a:p>
         </p:txBody>
       </p:sp>
@@ -11636,7 +11476,7 @@
           <p:cNvPr id="4" name="Slide Number Placeholder 3">
             <a:extLst>
               <a:ext uri="{FF2B5EF4-FFF2-40B4-BE49-F238E27FC236}">
-                <a16:creationId xmlns:a16="http://schemas.microsoft.com/office/drawing/2014/main" id="{6C977961-DB25-10B0-17EE-ABC960B20B82}"/>
+                <a16:creationId xmlns:a16="http://schemas.microsoft.com/office/drawing/2014/main" id="{0966BE8C-130D-970A-04BB-F1C27C8B891C}"/>
               </a:ext>
             </a:extLst>
           </p:cNvPr>
@@ -11661,70 +11501,10 @@
           </a:p>
         </p:txBody>
       </p:sp>
-      <p:pic>
-        <p:nvPicPr>
-          <p:cNvPr id="7" name="Picture 6" descr="A screenshot of a computer&#10;&#10;Description automatically generated">
-            <a:extLst>
-              <a:ext uri="{FF2B5EF4-FFF2-40B4-BE49-F238E27FC236}">
-                <a16:creationId xmlns:a16="http://schemas.microsoft.com/office/drawing/2014/main" id="{C22C82A1-9759-E78B-58A3-F4D8B7614C5D}"/>
-              </a:ext>
-            </a:extLst>
-          </p:cNvPr>
-          <p:cNvPicPr>
-            <a:picLocks noChangeAspect="1"/>
-          </p:cNvPicPr>
-          <p:nvPr/>
-        </p:nvPicPr>
-        <p:blipFill>
-          <a:blip r:embed="rId2"/>
-          <a:stretch>
-            <a:fillRect/>
-          </a:stretch>
-        </p:blipFill>
-        <p:spPr>
-          <a:xfrm>
-            <a:off x="146556" y="5052291"/>
-            <a:ext cx="6025644" cy="1805709"/>
-          </a:xfrm>
-          <a:prstGeom prst="rect">
-            <a:avLst/>
-          </a:prstGeom>
-        </p:spPr>
-      </p:pic>
-      <p:pic>
-        <p:nvPicPr>
-          <p:cNvPr id="8" name="Picture 7" descr="Graphical user interface, text, application&#10;&#10;Description automatically generated">
-            <a:extLst>
-              <a:ext uri="{FF2B5EF4-FFF2-40B4-BE49-F238E27FC236}">
-                <a16:creationId xmlns:a16="http://schemas.microsoft.com/office/drawing/2014/main" id="{6EC1E5C8-B5D5-BBB8-53C1-0350E52DEE76}"/>
-              </a:ext>
-            </a:extLst>
-          </p:cNvPr>
-          <p:cNvPicPr>
-            <a:picLocks noChangeAspect="1"/>
-          </p:cNvPicPr>
-          <p:nvPr/>
-        </p:nvPicPr>
-        <p:blipFill>
-          <a:blip r:embed="rId3"/>
-          <a:stretch>
-            <a:fillRect/>
-          </a:stretch>
-        </p:blipFill>
-        <p:spPr>
-          <a:xfrm>
-            <a:off x="6316819" y="5574291"/>
-            <a:ext cx="5728625" cy="1205344"/>
-          </a:xfrm>
-          <a:prstGeom prst="rect">
-            <a:avLst/>
-          </a:prstGeom>
-        </p:spPr>
-      </p:pic>
     </p:spTree>
     <p:extLst>
       <p:ext uri="{BB962C8B-B14F-4D97-AF65-F5344CB8AC3E}">
-        <p14:creationId xmlns:p14="http://schemas.microsoft.com/office/powerpoint/2010/main" val="1224445928"/>
+        <p14:creationId xmlns:p14="http://schemas.microsoft.com/office/powerpoint/2010/main" val="1525313591"/>
       </p:ext>
     </p:extLst>
   </p:cSld>
@@ -11753,10 +11533,10 @@
       </p:grpSpPr>
       <p:sp>
         <p:nvSpPr>
-          <p:cNvPr id="6" name="Title 5">
+          <p:cNvPr id="2" name="Title 1">
             <a:extLst>
               <a:ext uri="{FF2B5EF4-FFF2-40B4-BE49-F238E27FC236}">
-                <a16:creationId xmlns:a16="http://schemas.microsoft.com/office/drawing/2014/main" id="{2337038B-B61B-6182-8C7C-DA9E8D9B0A16}"/>
+                <a16:creationId xmlns:a16="http://schemas.microsoft.com/office/drawing/2014/main" id="{7E91C671-6304-79AD-43B2-7FE234FD816C}"/>
               </a:ext>
             </a:extLst>
           </p:cNvPr>
@@ -11774,7 +11554,7 @@
           <a:p>
             <a:r>
               <a:rPr lang="en-US" dirty="0"/>
-              <a:t>Exporting environments</a:t>
+              <a:t>colab.research.google.com</a:t>
             </a:r>
             <a:endParaRPr lang="en-BE" dirty="0"/>
           </a:p>
@@ -11782,10 +11562,10 @@
       </p:sp>
       <p:sp>
         <p:nvSpPr>
-          <p:cNvPr id="7" name="Content Placeholder 6">
+          <p:cNvPr id="3" name="Content Placeholder 2">
             <a:extLst>
               <a:ext uri="{FF2B5EF4-FFF2-40B4-BE49-F238E27FC236}">
-                <a16:creationId xmlns:a16="http://schemas.microsoft.com/office/drawing/2014/main" id="{D250FBAC-8C68-B685-A4D1-7398AAB26B0E}"/>
+                <a16:creationId xmlns:a16="http://schemas.microsoft.com/office/drawing/2014/main" id="{95ECEB5B-DC44-A1DB-F633-8BF398B8D553}"/>
               </a:ext>
             </a:extLst>
           </p:cNvPr>
@@ -11801,55 +11581,57 @@
           <a:bodyPr/>
           <a:lstStyle/>
           <a:p>
-            <a:pPr marL="342900" indent="-342900">
-              <a:buFont typeface="Arial" panose="020B0604020202020204" pitchFamily="34" charset="0"/>
-              <a:buChar char="•"/>
+            <a:pPr marL="0" indent="0">
+              <a:buNone/>
             </a:pPr>
             <a:r>
               <a:rPr lang="en-US" dirty="0"/>
-              <a:t>Click the arrow next to the environment</a:t>
-            </a:r>
-          </a:p>
-          <a:p>
-            <a:pPr marL="342900" indent="-342900">
-              <a:buFont typeface="Arial" panose="020B0604020202020204" pitchFamily="34" charset="0"/>
-              <a:buChar char="•"/>
+              <a:t>Google hosts a cluster of computers (a rather large one) and you can use some of that compute to run Python-code. It’s a zero-setup way of doing data science or AI.</a:t>
+            </a:r>
+          </a:p>
+          <a:p>
+            <a:pPr marL="0" indent="0">
+              <a:buNone/>
             </a:pPr>
-            <a:r>
-              <a:rPr lang="en-US" dirty="0"/>
-              <a:t>Select "Open Terminal" (navigate to c:\tmp )</a:t>
-            </a:r>
-          </a:p>
-          <a:p>
-            <a:pPr marL="342900" indent="-342900">
-              <a:buFont typeface="Arial" panose="020B0604020202020204" pitchFamily="34" charset="0"/>
-              <a:buChar char="•"/>
+            <a:endParaRPr lang="en-US" dirty="0"/>
+          </a:p>
+          <a:p>
+            <a:pPr marL="0" indent="0">
+              <a:buNone/>
             </a:pPr>
             <a:r>
+              <a:rPr lang="en-US" dirty="0"/>
+              <a:t>It integrates with your google drive, which makes it easy to upload and download existing files. You can also share files this way, or even use </a:t>
+            </a:r>
+            <a:r>
               <a:rPr lang="en-US" dirty="0" err="1"/>
-              <a:t>conda</a:t>
-            </a:r>
-            <a:r>
-              <a:rPr lang="en-US" dirty="0"/>
-              <a:t> env export &gt; </a:t>
-            </a:r>
-            <a:r>
-              <a:rPr lang="en-US" dirty="0" err="1"/>
-              <a:t>environment.yml</a:t>
-            </a:r>
+              <a:t>github</a:t>
+            </a:r>
+            <a:r>
+              <a:rPr lang="en-US" dirty="0"/>
+              <a:t>.</a:t>
+            </a:r>
+          </a:p>
+          <a:p>
+            <a:pPr marL="0" indent="0">
+              <a:buNone/>
+            </a:pPr>
             <a:endParaRPr lang="en-US" dirty="0"/>
           </a:p>
           <a:p>
+            <a:pPr marL="0" indent="0">
+              <a:buNone/>
+            </a:pPr>
             <a:endParaRPr lang="en-BE" dirty="0"/>
           </a:p>
         </p:txBody>
       </p:sp>
       <p:sp>
         <p:nvSpPr>
-          <p:cNvPr id="5" name="Slide Number Placeholder 4">
+          <p:cNvPr id="4" name="Slide Number Placeholder 3">
             <a:extLst>
               <a:ext uri="{FF2B5EF4-FFF2-40B4-BE49-F238E27FC236}">
-                <a16:creationId xmlns:a16="http://schemas.microsoft.com/office/drawing/2014/main" id="{661939EC-C46C-E7FF-4214-C7369D91F742}"/>
+                <a16:creationId xmlns:a16="http://schemas.microsoft.com/office/drawing/2014/main" id="{9827D37D-8069-1853-EED7-08CF62B03B87}"/>
               </a:ext>
             </a:extLst>
           </p:cNvPr>
@@ -11865,48 +11647,19 @@
           <a:bodyPr/>
           <a:lstStyle/>
           <a:p>
-            <a:fld id="{B105FAA3-C3E4-40D0-B2B7-65B62F79F625}" type="slidenum">
+            <a:fld id="{FE1B3154-47D9-4402-8EDB-E791933DC0B9}" type="slidenum">
               <a:rPr lang="nl-BE" smtClean="0"/>
+              <a:pPr/>
               <a:t>22</a:t>
             </a:fld>
             <a:endParaRPr lang="nl-BE"/>
           </a:p>
         </p:txBody>
       </p:sp>
-      <p:pic>
-        <p:nvPicPr>
-          <p:cNvPr id="8" name="Picture 7" descr="Text&#10;&#10;Description automatically generated">
-            <a:extLst>
-              <a:ext uri="{FF2B5EF4-FFF2-40B4-BE49-F238E27FC236}">
-                <a16:creationId xmlns:a16="http://schemas.microsoft.com/office/drawing/2014/main" id="{EEFA4599-3DC9-1092-CA06-42B49C130645}"/>
-              </a:ext>
-            </a:extLst>
-          </p:cNvPr>
-          <p:cNvPicPr>
-            <a:picLocks noChangeAspect="1"/>
-          </p:cNvPicPr>
-          <p:nvPr/>
-        </p:nvPicPr>
-        <p:blipFill>
-          <a:blip r:embed="rId2"/>
-          <a:stretch>
-            <a:fillRect/>
-          </a:stretch>
-        </p:blipFill>
-        <p:spPr>
-          <a:xfrm>
-            <a:off x="6791144" y="3202148"/>
-            <a:ext cx="4102634" cy="3345046"/>
-          </a:xfrm>
-          <a:prstGeom prst="rect">
-            <a:avLst/>
-          </a:prstGeom>
-        </p:spPr>
-      </p:pic>
     </p:spTree>
     <p:extLst>
       <p:ext uri="{BB962C8B-B14F-4D97-AF65-F5344CB8AC3E}">
-        <p14:creationId xmlns:p14="http://schemas.microsoft.com/office/powerpoint/2010/main" val="3197680160"/>
+        <p14:creationId xmlns:p14="http://schemas.microsoft.com/office/powerpoint/2010/main" val="971727487"/>
       </p:ext>
     </p:extLst>
   </p:cSld>
@@ -11938,7 +11691,7 @@
           <p:cNvPr id="2" name="Title 1">
             <a:extLst>
               <a:ext uri="{FF2B5EF4-FFF2-40B4-BE49-F238E27FC236}">
-                <a16:creationId xmlns:a16="http://schemas.microsoft.com/office/drawing/2014/main" id="{F9F06F1D-BD3F-C662-E5E9-100B60BFDE62}"/>
+                <a16:creationId xmlns:a16="http://schemas.microsoft.com/office/drawing/2014/main" id="{FAB1B449-1A10-0B84-F905-2FAFC197673F}"/>
               </a:ext>
             </a:extLst>
           </p:cNvPr>
@@ -11956,15 +11709,7 @@
           <a:p>
             <a:r>
               <a:rPr lang="en-US" dirty="0"/>
-              <a:t>Creating a library based on a </a:t>
-            </a:r>
-            <a:r>
-              <a:rPr lang="en-US" dirty="0" err="1"/>
-              <a:t>yaml</a:t>
-            </a:r>
-            <a:r>
-              <a:rPr lang="en-US" dirty="0"/>
-              <a:t>-file</a:t>
+              <a:t>Running code</a:t>
             </a:r>
             <a:endParaRPr lang="en-BE" dirty="0"/>
           </a:p>
@@ -11975,7 +11720,7 @@
           <p:cNvPr id="3" name="Content Placeholder 2">
             <a:extLst>
               <a:ext uri="{FF2B5EF4-FFF2-40B4-BE49-F238E27FC236}">
-                <a16:creationId xmlns:a16="http://schemas.microsoft.com/office/drawing/2014/main" id="{81C43A6D-63C9-29A0-CD4E-73135D0AF54E}"/>
+                <a16:creationId xmlns:a16="http://schemas.microsoft.com/office/drawing/2014/main" id="{6E9C2649-B754-01CC-AD5B-53D1CCA339C8}"/>
               </a:ext>
             </a:extLst>
           </p:cNvPr>
@@ -11988,43 +11733,163 @@
         </p:nvSpPr>
         <p:spPr/>
         <p:txBody>
-          <a:bodyPr/>
+          <a:bodyPr>
+            <a:normAutofit lnSpcReduction="10000"/>
+          </a:bodyPr>
           <a:lstStyle/>
           <a:p>
-            <a:pPr marL="0" indent="0">
-              <a:buNone/>
-            </a:pPr>
-            <a:r>
-              <a:rPr lang="en-US" dirty="0"/>
-              <a:t>In anaconda, the Environments-tab:</a:t>
-            </a:r>
-          </a:p>
-          <a:p>
-            <a:pPr marL="342900" indent="-342900">
+            <a:pPr marL="457200" indent="-457200">
               <a:buFont typeface="Arial" panose="020B0604020202020204" pitchFamily="34" charset="0"/>
               <a:buChar char="•"/>
             </a:pPr>
             <a:r>
               <a:rPr lang="en-US" dirty="0"/>
-              <a:t>Click "Import"</a:t>
-            </a:r>
-          </a:p>
-          <a:p>
-            <a:pPr marL="342900" indent="-342900">
+              <a:t>Plain Python, use pip for libraries</a:t>
+            </a:r>
+          </a:p>
+          <a:p>
+            <a:pPr marL="457200" indent="-457200">
               <a:buFont typeface="Arial" panose="020B0604020202020204" pitchFamily="34" charset="0"/>
               <a:buChar char="•"/>
             </a:pPr>
             <a:r>
               <a:rPr lang="en-US" dirty="0"/>
-              <a:t>Import the </a:t>
+              <a:t>Install Anaconda</a:t>
+            </a:r>
+          </a:p>
+          <a:p>
+            <a:pPr marL="457200" indent="-457200">
+              <a:buFont typeface="Arial" panose="020B0604020202020204" pitchFamily="34" charset="0"/>
+              <a:buChar char="•"/>
+            </a:pPr>
+            <a:r>
+              <a:rPr lang="en-US" dirty="0"/>
+              <a:t>Install </a:t>
             </a:r>
             <a:r>
               <a:rPr lang="en-US" dirty="0" err="1"/>
-              <a:t>yml</a:t>
-            </a:r>
-            <a:r>
-              <a:rPr lang="en-US" dirty="0"/>
-              <a:t>-file</a:t>
+              <a:t>Jupyter</a:t>
+            </a:r>
+            <a:r>
+              <a:rPr lang="en-US" dirty="0"/>
+              <a:t> notebooks</a:t>
+            </a:r>
+          </a:p>
+          <a:p>
+            <a:pPr marL="457200" indent="-457200">
+              <a:buFont typeface="Arial" panose="020B0604020202020204" pitchFamily="34" charset="0"/>
+              <a:buChar char="•"/>
+            </a:pPr>
+            <a:endParaRPr lang="en-US" dirty="0"/>
+          </a:p>
+          <a:p>
+            <a:pPr marL="457200" indent="-457200">
+              <a:buFont typeface="Arial" panose="020B0604020202020204" pitchFamily="34" charset="0"/>
+              <a:buChar char="•"/>
+            </a:pPr>
+            <a:r>
+              <a:rPr lang="en-US" dirty="0"/>
+              <a:t>Run </a:t>
+            </a:r>
+            <a:r>
+              <a:rPr lang="en-US" dirty="0" err="1"/>
+              <a:t>Jupyter</a:t>
+            </a:r>
+            <a:r>
+              <a:rPr lang="en-US" dirty="0"/>
+              <a:t> in a </a:t>
+            </a:r>
+            <a:r>
+              <a:rPr lang="en-US" dirty="0" err="1"/>
+              <a:t>webbrowser</a:t>
+            </a:r>
+            <a:r>
+              <a:rPr lang="en-US" dirty="0"/>
+              <a:t> (Anaconda or </a:t>
+            </a:r>
+            <a:r>
+              <a:rPr lang="en-US" dirty="0" err="1"/>
+              <a:t>Jupyter</a:t>
+            </a:r>
+            <a:r>
+              <a:rPr lang="en-US" dirty="0"/>
+              <a:t>)</a:t>
+            </a:r>
+          </a:p>
+          <a:p>
+            <a:pPr marL="457200" indent="-457200">
+              <a:buFont typeface="Arial" panose="020B0604020202020204" pitchFamily="34" charset="0"/>
+              <a:buChar char="•"/>
+            </a:pPr>
+            <a:r>
+              <a:rPr lang="en-US" dirty="0"/>
+              <a:t>Or use </a:t>
+            </a:r>
+            <a:r>
+              <a:rPr lang="en-US" dirty="0" err="1"/>
+              <a:t>VSCode</a:t>
+            </a:r>
+            <a:r>
+              <a:rPr lang="en-US" dirty="0"/>
+              <a:t> (plain Python or Anaconda)</a:t>
+            </a:r>
+          </a:p>
+          <a:p>
+            <a:pPr marL="457200" indent="-457200">
+              <a:buFont typeface="Arial" panose="020B0604020202020204" pitchFamily="34" charset="0"/>
+              <a:buChar char="•"/>
+            </a:pPr>
+            <a:endParaRPr lang="en-US" dirty="0"/>
+          </a:p>
+          <a:p>
+            <a:pPr marL="457200" indent="-457200">
+              <a:buFont typeface="Arial" panose="020B0604020202020204" pitchFamily="34" charset="0"/>
+              <a:buChar char="•"/>
+            </a:pPr>
+            <a:r>
+              <a:rPr lang="en-US" dirty="0"/>
+              <a:t>Always use virtual environments</a:t>
+            </a:r>
+          </a:p>
+          <a:p>
+            <a:pPr marL="457200" indent="-457200">
+              <a:buFont typeface="Arial" panose="020B0604020202020204" pitchFamily="34" charset="0"/>
+              <a:buChar char="•"/>
+            </a:pPr>
+            <a:r>
+              <a:rPr lang="en-US" dirty="0"/>
+              <a:t>Consider using </a:t>
+            </a:r>
+            <a:r>
+              <a:rPr lang="en-US" dirty="0" err="1"/>
+              <a:t>Github</a:t>
+            </a:r>
+            <a:endParaRPr lang="en-US" dirty="0"/>
+          </a:p>
+          <a:p>
+            <a:pPr marL="817200" lvl="1" indent="-457200">
+              <a:buFont typeface="Arial" panose="020B0604020202020204" pitchFamily="34" charset="0"/>
+              <a:buChar char="•"/>
+            </a:pPr>
+            <a:r>
+              <a:rPr lang="en-US" dirty="0"/>
+              <a:t>When working with more than one developer: always use </a:t>
+            </a:r>
+            <a:r>
+              <a:rPr lang="en-US" dirty="0" err="1"/>
+              <a:t>Github</a:t>
+            </a:r>
+            <a:r>
+              <a:rPr lang="en-US" dirty="0"/>
+              <a:t> (or </a:t>
+            </a:r>
+            <a:r>
+              <a:rPr lang="en-US" dirty="0" err="1"/>
+              <a:t>gitlab</a:t>
+            </a:r>
+            <a:r>
+              <a:rPr lang="en-US" dirty="0"/>
+              <a:t>)</a:t>
             </a:r>
           </a:p>
           <a:p>
@@ -12037,7 +11902,7 @@
           <p:cNvPr id="4" name="Slide Number Placeholder 3">
             <a:extLst>
               <a:ext uri="{FF2B5EF4-FFF2-40B4-BE49-F238E27FC236}">
-                <a16:creationId xmlns:a16="http://schemas.microsoft.com/office/drawing/2014/main" id="{100BCDF5-9530-9BC2-8C6E-DA9751A5060A}"/>
+                <a16:creationId xmlns:a16="http://schemas.microsoft.com/office/drawing/2014/main" id="{3A3A8FB1-5352-1336-5D54-6FA5A649D58E}"/>
               </a:ext>
             </a:extLst>
           </p:cNvPr>
@@ -12062,40 +11927,10 @@
           </a:p>
         </p:txBody>
       </p:sp>
-      <p:pic>
-        <p:nvPicPr>
-          <p:cNvPr id="5" name="Picture 4" descr="Graphical user interface, text, application, email&#10;&#10;Description automatically generated">
-            <a:extLst>
-              <a:ext uri="{FF2B5EF4-FFF2-40B4-BE49-F238E27FC236}">
-                <a16:creationId xmlns:a16="http://schemas.microsoft.com/office/drawing/2014/main" id="{46B92B4B-C9F8-1332-B939-728CDD7A1DCE}"/>
-              </a:ext>
-            </a:extLst>
-          </p:cNvPr>
-          <p:cNvPicPr>
-            <a:picLocks noChangeAspect="1"/>
-          </p:cNvPicPr>
-          <p:nvPr/>
-        </p:nvPicPr>
-        <p:blipFill>
-          <a:blip r:embed="rId2"/>
-          <a:stretch>
-            <a:fillRect/>
-          </a:stretch>
-        </p:blipFill>
-        <p:spPr>
-          <a:xfrm>
-            <a:off x="5085707" y="3429000"/>
-            <a:ext cx="5087060" cy="2476846"/>
-          </a:xfrm>
-          <a:prstGeom prst="rect">
-            <a:avLst/>
-          </a:prstGeom>
-        </p:spPr>
-      </p:pic>
     </p:spTree>
     <p:extLst>
       <p:ext uri="{BB962C8B-B14F-4D97-AF65-F5344CB8AC3E}">
-        <p14:creationId xmlns:p14="http://schemas.microsoft.com/office/powerpoint/2010/main" val="3033294556"/>
+        <p14:creationId xmlns:p14="http://schemas.microsoft.com/office/powerpoint/2010/main" val="2437333525"/>
       </p:ext>
     </p:extLst>
   </p:cSld>
@@ -12127,862 +11962,6 @@
           <p:cNvPr id="2" name="Title 1">
             <a:extLst>
               <a:ext uri="{FF2B5EF4-FFF2-40B4-BE49-F238E27FC236}">
-                <a16:creationId xmlns:a16="http://schemas.microsoft.com/office/drawing/2014/main" id="{154E90D4-7C2B-D6EE-F35B-39B0E9D1F745}"/>
-              </a:ext>
-            </a:extLst>
-          </p:cNvPr>
-          <p:cNvSpPr>
-            <a:spLocks noGrp="1"/>
-          </p:cNvSpPr>
-          <p:nvPr>
-            <p:ph type="title"/>
-          </p:nvPr>
-        </p:nvSpPr>
-        <p:spPr/>
-        <p:txBody>
-          <a:bodyPr/>
-          <a:lstStyle/>
-          <a:p>
-            <a:r>
-              <a:rPr lang="en-US" dirty="0"/>
-              <a:t>Using virtual environments in Python</a:t>
-            </a:r>
-            <a:endParaRPr lang="en-BE" dirty="0"/>
-          </a:p>
-        </p:txBody>
-      </p:sp>
-      <p:sp>
-        <p:nvSpPr>
-          <p:cNvPr id="3" name="Content Placeholder 2">
-            <a:extLst>
-              <a:ext uri="{FF2B5EF4-FFF2-40B4-BE49-F238E27FC236}">
-                <a16:creationId xmlns:a16="http://schemas.microsoft.com/office/drawing/2014/main" id="{64847264-9B9C-8CEF-528F-EE9D8D366BF1}"/>
-              </a:ext>
-            </a:extLst>
-          </p:cNvPr>
-          <p:cNvSpPr>
-            <a:spLocks noGrp="1"/>
-          </p:cNvSpPr>
-          <p:nvPr>
-            <p:ph idx="1"/>
-          </p:nvPr>
-        </p:nvSpPr>
-        <p:spPr/>
-        <p:txBody>
-          <a:bodyPr>
-            <a:normAutofit lnSpcReduction="10000"/>
-          </a:bodyPr>
-          <a:lstStyle/>
-          <a:p>
-            <a:r>
-              <a:rPr lang="en-US" dirty="0"/>
-              <a:t>Using virtual environments in Python is a great way of keeping a project “in working condition” and also of not installing all libraries in the basic Python-interpreter.</a:t>
-            </a:r>
-          </a:p>
-          <a:p>
-            <a:endParaRPr lang="en-US" dirty="0"/>
-          </a:p>
-          <a:p>
-            <a:pPr marL="457200" indent="-457200">
-              <a:buFont typeface="Arial" panose="020B0604020202020204" pitchFamily="34" charset="0"/>
-              <a:buChar char="•"/>
-            </a:pPr>
-            <a:r>
-              <a:rPr lang="en-US" dirty="0"/>
-              <a:t>Create a new folder</a:t>
-            </a:r>
-          </a:p>
-          <a:p>
-            <a:pPr marL="457200" indent="-457200">
-              <a:buFont typeface="Arial" panose="020B0604020202020204" pitchFamily="34" charset="0"/>
-              <a:buChar char="•"/>
-            </a:pPr>
-            <a:r>
-              <a:rPr lang="en-US" dirty="0"/>
-              <a:t>Open </a:t>
-            </a:r>
-            <a:r>
-              <a:rPr lang="en-US" dirty="0" err="1"/>
-              <a:t>VSCode</a:t>
-            </a:r>
-            <a:r>
-              <a:rPr lang="en-US" dirty="0"/>
-              <a:t> in that folder (File – open folder)</a:t>
-            </a:r>
-          </a:p>
-          <a:p>
-            <a:pPr marL="457200" indent="-457200">
-              <a:buFont typeface="Arial" panose="020B0604020202020204" pitchFamily="34" charset="0"/>
-              <a:buChar char="•"/>
-            </a:pPr>
-            <a:r>
-              <a:rPr lang="en-US" dirty="0"/>
-              <a:t>In terminal, type</a:t>
-            </a:r>
-          </a:p>
-          <a:p>
-            <a:pPr marL="817200" lvl="1" indent="-457200">
-              <a:buFont typeface="Arial" panose="020B0604020202020204" pitchFamily="34" charset="0"/>
-              <a:buChar char="•"/>
-            </a:pPr>
-            <a:r>
-              <a:rPr lang="en-US" dirty="0">
-                <a:latin typeface="Courier New" panose="02070309020205020404" pitchFamily="49" charset="0"/>
-                <a:cs typeface="Courier New" panose="02070309020205020404" pitchFamily="49" charset="0"/>
-              </a:rPr>
-              <a:t>python -m </a:t>
-            </a:r>
-            <a:r>
-              <a:rPr lang="en-US" dirty="0" err="1">
-                <a:latin typeface="Courier New" panose="02070309020205020404" pitchFamily="49" charset="0"/>
-                <a:cs typeface="Courier New" panose="02070309020205020404" pitchFamily="49" charset="0"/>
-              </a:rPr>
-              <a:t>venv</a:t>
-            </a:r>
-            <a:r>
-              <a:rPr lang="en-US" dirty="0">
-                <a:latin typeface="Courier New" panose="02070309020205020404" pitchFamily="49" charset="0"/>
-                <a:cs typeface="Courier New" panose="02070309020205020404" pitchFamily="49" charset="0"/>
-              </a:rPr>
-              <a:t> </a:t>
-            </a:r>
-            <a:r>
-              <a:rPr lang="en-US" dirty="0" err="1">
-                <a:latin typeface="Courier New" panose="02070309020205020404" pitchFamily="49" charset="0"/>
-                <a:cs typeface="Courier New" panose="02070309020205020404" pitchFamily="49" charset="0"/>
-              </a:rPr>
-              <a:t>venv</a:t>
-            </a:r>
-            <a:endParaRPr lang="en-US" dirty="0">
-              <a:latin typeface="Courier New" panose="02070309020205020404" pitchFamily="49" charset="0"/>
-              <a:cs typeface="Courier New" panose="02070309020205020404" pitchFamily="49" charset="0"/>
-            </a:endParaRPr>
-          </a:p>
-          <a:p>
-            <a:pPr marL="817200" lvl="1" indent="-457200">
-              <a:buFont typeface="Arial" panose="020B0604020202020204" pitchFamily="34" charset="0"/>
-              <a:buChar char="•"/>
-            </a:pPr>
-            <a:r>
-              <a:rPr lang="en-US" dirty="0" err="1">
-                <a:latin typeface="Courier New" panose="02070309020205020404" pitchFamily="49" charset="0"/>
-                <a:cs typeface="Courier New" panose="02070309020205020404" pitchFamily="49" charset="0"/>
-              </a:rPr>
-              <a:t>venv</a:t>
-            </a:r>
-            <a:r>
-              <a:rPr lang="en-US" dirty="0">
-                <a:latin typeface="Courier New" panose="02070309020205020404" pitchFamily="49" charset="0"/>
-                <a:cs typeface="Courier New" panose="02070309020205020404" pitchFamily="49" charset="0"/>
-              </a:rPr>
-              <a:t>/Scripts/activate</a:t>
-            </a:r>
-          </a:p>
-          <a:p>
-            <a:pPr marL="457200" indent="-457200">
-              <a:buFont typeface="Arial" panose="020B0604020202020204" pitchFamily="34" charset="0"/>
-              <a:buChar char="•"/>
-            </a:pPr>
-            <a:r>
-              <a:rPr lang="en-US" dirty="0">
-                <a:cs typeface="Courier New" panose="02070309020205020404" pitchFamily="49" charset="0"/>
-              </a:rPr>
-              <a:t>The prompt changes to “(</a:t>
-            </a:r>
-            <a:r>
-              <a:rPr lang="en-US" dirty="0" err="1">
-                <a:cs typeface="Courier New" panose="02070309020205020404" pitchFamily="49" charset="0"/>
-              </a:rPr>
-              <a:t>foldername</a:t>
-            </a:r>
-            <a:r>
-              <a:rPr lang="en-US" dirty="0">
-                <a:cs typeface="Courier New" panose="02070309020205020404" pitchFamily="49" charset="0"/>
-              </a:rPr>
-              <a:t>) c:\...”</a:t>
-            </a:r>
-          </a:p>
-          <a:p>
-            <a:pPr marL="457200" indent="-457200">
-              <a:buFont typeface="Arial" panose="020B0604020202020204" pitchFamily="34" charset="0"/>
-              <a:buChar char="•"/>
-            </a:pPr>
-            <a:endParaRPr lang="en-US" dirty="0">
-              <a:cs typeface="Courier New" panose="02070309020205020404" pitchFamily="49" charset="0"/>
-            </a:endParaRPr>
-          </a:p>
-          <a:p>
-            <a:pPr marL="457200" indent="-457200">
-              <a:buFont typeface="Arial" panose="020B0604020202020204" pitchFamily="34" charset="0"/>
-              <a:buChar char="•"/>
-            </a:pPr>
-            <a:endParaRPr lang="en-US" dirty="0">
-              <a:latin typeface="+mn-lt"/>
-              <a:cs typeface="Courier New" panose="02070309020205020404" pitchFamily="49" charset="0"/>
-            </a:endParaRPr>
-          </a:p>
-          <a:p>
-            <a:endParaRPr lang="en-BE" dirty="0"/>
-          </a:p>
-        </p:txBody>
-      </p:sp>
-      <p:sp>
-        <p:nvSpPr>
-          <p:cNvPr id="4" name="Slide Number Placeholder 3">
-            <a:extLst>
-              <a:ext uri="{FF2B5EF4-FFF2-40B4-BE49-F238E27FC236}">
-                <a16:creationId xmlns:a16="http://schemas.microsoft.com/office/drawing/2014/main" id="{BF930523-E1F4-8800-2A38-280644E0BCB5}"/>
-              </a:ext>
-            </a:extLst>
-          </p:cNvPr>
-          <p:cNvSpPr>
-            <a:spLocks noGrp="1"/>
-          </p:cNvSpPr>
-          <p:nvPr>
-            <p:ph type="sldNum" sz="quarter" idx="12"/>
-          </p:nvPr>
-        </p:nvSpPr>
-        <p:spPr/>
-        <p:txBody>
-          <a:bodyPr/>
-          <a:lstStyle/>
-          <a:p>
-            <a:fld id="{FE1B3154-47D9-4402-8EDB-E791933DC0B9}" type="slidenum">
-              <a:rPr lang="nl-BE" smtClean="0"/>
-              <a:pPr/>
-              <a:t>24</a:t>
-            </a:fld>
-            <a:endParaRPr lang="nl-BE"/>
-          </a:p>
-        </p:txBody>
-      </p:sp>
-    </p:spTree>
-    <p:extLst>
-      <p:ext uri="{BB962C8B-B14F-4D97-AF65-F5344CB8AC3E}">
-        <p14:creationId xmlns:p14="http://schemas.microsoft.com/office/powerpoint/2010/main" val="2077017320"/>
-      </p:ext>
-    </p:extLst>
-  </p:cSld>
-  <p:clrMapOvr>
-    <a:masterClrMapping/>
-  </p:clrMapOvr>
-</p:sld>
-</file>
-
-<file path=ppt/slides/slide25.xml><?xml version="1.0" encoding="utf-8"?>
-<p:sld xmlns:a="http://schemas.openxmlformats.org/drawingml/2006/main" xmlns:r="http://schemas.openxmlformats.org/officeDocument/2006/relationships" xmlns:p="http://schemas.openxmlformats.org/presentationml/2006/main">
-  <p:cSld>
-    <p:spTree>
-      <p:nvGrpSpPr>
-        <p:cNvPr id="1" name=""/>
-        <p:cNvGrpSpPr/>
-        <p:nvPr/>
-      </p:nvGrpSpPr>
-      <p:grpSpPr>
-        <a:xfrm>
-          <a:off x="0" y="0"/>
-          <a:ext cx="0" cy="0"/>
-          <a:chOff x="0" y="0"/>
-          <a:chExt cx="0" cy="0"/>
-        </a:xfrm>
-      </p:grpSpPr>
-      <p:sp>
-        <p:nvSpPr>
-          <p:cNvPr id="2" name="Title 1">
-            <a:extLst>
-              <a:ext uri="{FF2B5EF4-FFF2-40B4-BE49-F238E27FC236}">
-                <a16:creationId xmlns:a16="http://schemas.microsoft.com/office/drawing/2014/main" id="{593311B5-3649-BC89-12AE-6CB0A918D7CF}"/>
-              </a:ext>
-            </a:extLst>
-          </p:cNvPr>
-          <p:cNvSpPr>
-            <a:spLocks noGrp="1"/>
-          </p:cNvSpPr>
-          <p:nvPr>
-            <p:ph type="title"/>
-          </p:nvPr>
-        </p:nvSpPr>
-        <p:spPr/>
-        <p:txBody>
-          <a:bodyPr/>
-          <a:lstStyle/>
-          <a:p>
-            <a:r>
-              <a:rPr lang="en-US" dirty="0"/>
-              <a:t>Do we need </a:t>
-            </a:r>
-            <a:r>
-              <a:rPr lang="en-US" dirty="0" err="1"/>
-              <a:t>venv</a:t>
-            </a:r>
-            <a:r>
-              <a:rPr lang="en-US" dirty="0"/>
-              <a:t> in docker?</a:t>
-            </a:r>
-            <a:endParaRPr lang="en-BE" dirty="0"/>
-          </a:p>
-        </p:txBody>
-      </p:sp>
-      <p:sp>
-        <p:nvSpPr>
-          <p:cNvPr id="3" name="Content Placeholder 2">
-            <a:extLst>
-              <a:ext uri="{FF2B5EF4-FFF2-40B4-BE49-F238E27FC236}">
-                <a16:creationId xmlns:a16="http://schemas.microsoft.com/office/drawing/2014/main" id="{FBF574F4-304F-557D-4A7F-91CC67E9C905}"/>
-              </a:ext>
-            </a:extLst>
-          </p:cNvPr>
-          <p:cNvSpPr>
-            <a:spLocks noGrp="1"/>
-          </p:cNvSpPr>
-          <p:nvPr>
-            <p:ph idx="1"/>
-          </p:nvPr>
-        </p:nvSpPr>
-        <p:spPr/>
-        <p:txBody>
-          <a:bodyPr/>
-          <a:lstStyle/>
-          <a:p>
-            <a:pPr marL="0" indent="0">
-              <a:buNone/>
-            </a:pPr>
-            <a:r>
-              <a:rPr lang="en-US" dirty="0"/>
-              <a:t>No, when using anaconda (or </a:t>
-            </a:r>
-            <a:r>
-              <a:rPr lang="en-US" dirty="0" err="1"/>
-              <a:t>Jupyter</a:t>
-            </a:r>
-            <a:r>
-              <a:rPr lang="en-US" dirty="0"/>
-              <a:t>) in docker, we simply use one container per project. The </a:t>
-            </a:r>
-            <a:r>
-              <a:rPr lang="en-US" dirty="0" err="1"/>
-              <a:t>Dockerfile</a:t>
-            </a:r>
-            <a:r>
-              <a:rPr lang="en-US" dirty="0"/>
-              <a:t> will take care of installing the requirements. When it needs training move it over to the Kubernetes-cluster with massive GPU, when no longer working on it, store in </a:t>
-            </a:r>
-            <a:r>
-              <a:rPr lang="en-US" dirty="0" err="1"/>
-              <a:t>Github</a:t>
-            </a:r>
-            <a:r>
-              <a:rPr lang="en-US" dirty="0"/>
-              <a:t>.</a:t>
-            </a:r>
-          </a:p>
-          <a:p>
-            <a:pPr marL="0" indent="0">
-              <a:buNone/>
-            </a:pPr>
-            <a:endParaRPr lang="en-US" dirty="0"/>
-          </a:p>
-          <a:p>
-            <a:pPr marL="0" indent="0">
-              <a:buNone/>
-            </a:pPr>
-            <a:r>
-              <a:rPr lang="en-US" dirty="0" err="1"/>
-              <a:t>Github</a:t>
-            </a:r>
-            <a:r>
-              <a:rPr lang="en-US" dirty="0"/>
-              <a:t>, by the way: setup a continuous integration-pipeline (the CI in CI/CD) to use the same environment with dozens of developers. Works great…</a:t>
-            </a:r>
-          </a:p>
-          <a:p>
-            <a:pPr marL="0" indent="0">
-              <a:buNone/>
-            </a:pPr>
-            <a:endParaRPr lang="en-BE" dirty="0"/>
-          </a:p>
-        </p:txBody>
-      </p:sp>
-      <p:sp>
-        <p:nvSpPr>
-          <p:cNvPr id="4" name="Slide Number Placeholder 3">
-            <a:extLst>
-              <a:ext uri="{FF2B5EF4-FFF2-40B4-BE49-F238E27FC236}">
-                <a16:creationId xmlns:a16="http://schemas.microsoft.com/office/drawing/2014/main" id="{202BBCF4-7B36-20D1-1BF9-B123A6B0807E}"/>
-              </a:ext>
-            </a:extLst>
-          </p:cNvPr>
-          <p:cNvSpPr>
-            <a:spLocks noGrp="1"/>
-          </p:cNvSpPr>
-          <p:nvPr>
-            <p:ph type="sldNum" sz="quarter" idx="12"/>
-          </p:nvPr>
-        </p:nvSpPr>
-        <p:spPr/>
-        <p:txBody>
-          <a:bodyPr/>
-          <a:lstStyle/>
-          <a:p>
-            <a:fld id="{FE1B3154-47D9-4402-8EDB-E791933DC0B9}" type="slidenum">
-              <a:rPr lang="nl-BE" smtClean="0"/>
-              <a:pPr/>
-              <a:t>25</a:t>
-            </a:fld>
-            <a:endParaRPr lang="nl-BE"/>
-          </a:p>
-        </p:txBody>
-      </p:sp>
-    </p:spTree>
-    <p:extLst>
-      <p:ext uri="{BB962C8B-B14F-4D97-AF65-F5344CB8AC3E}">
-        <p14:creationId xmlns:p14="http://schemas.microsoft.com/office/powerpoint/2010/main" val="9176211"/>
-      </p:ext>
-    </p:extLst>
-  </p:cSld>
-  <p:clrMapOvr>
-    <a:masterClrMapping/>
-  </p:clrMapOvr>
-</p:sld>
-</file>
-
-<file path=ppt/slides/slide26.xml><?xml version="1.0" encoding="utf-8"?>
-<p:sld xmlns:a="http://schemas.openxmlformats.org/drawingml/2006/main" xmlns:r="http://schemas.openxmlformats.org/officeDocument/2006/relationships" xmlns:p="http://schemas.openxmlformats.org/presentationml/2006/main">
-  <p:cSld>
-    <p:spTree>
-      <p:nvGrpSpPr>
-        <p:cNvPr id="1" name=""/>
-        <p:cNvGrpSpPr/>
-        <p:nvPr/>
-      </p:nvGrpSpPr>
-      <p:grpSpPr>
-        <a:xfrm>
-          <a:off x="0" y="0"/>
-          <a:ext cx="0" cy="0"/>
-          <a:chOff x="0" y="0"/>
-          <a:chExt cx="0" cy="0"/>
-        </a:xfrm>
-      </p:grpSpPr>
-      <p:sp>
-        <p:nvSpPr>
-          <p:cNvPr id="2" name="Title 1">
-            <a:extLst>
-              <a:ext uri="{FF2B5EF4-FFF2-40B4-BE49-F238E27FC236}">
-                <a16:creationId xmlns:a16="http://schemas.microsoft.com/office/drawing/2014/main" id="{7E91C671-6304-79AD-43B2-7FE234FD816C}"/>
-              </a:ext>
-            </a:extLst>
-          </p:cNvPr>
-          <p:cNvSpPr>
-            <a:spLocks noGrp="1"/>
-          </p:cNvSpPr>
-          <p:nvPr>
-            <p:ph type="title"/>
-          </p:nvPr>
-        </p:nvSpPr>
-        <p:spPr/>
-        <p:txBody>
-          <a:bodyPr/>
-          <a:lstStyle/>
-          <a:p>
-            <a:r>
-              <a:rPr lang="en-US" dirty="0"/>
-              <a:t>colab.research.google.com</a:t>
-            </a:r>
-            <a:endParaRPr lang="en-BE" dirty="0"/>
-          </a:p>
-        </p:txBody>
-      </p:sp>
-      <p:sp>
-        <p:nvSpPr>
-          <p:cNvPr id="3" name="Content Placeholder 2">
-            <a:extLst>
-              <a:ext uri="{FF2B5EF4-FFF2-40B4-BE49-F238E27FC236}">
-                <a16:creationId xmlns:a16="http://schemas.microsoft.com/office/drawing/2014/main" id="{95ECEB5B-DC44-A1DB-F633-8BF398B8D553}"/>
-              </a:ext>
-            </a:extLst>
-          </p:cNvPr>
-          <p:cNvSpPr>
-            <a:spLocks noGrp="1"/>
-          </p:cNvSpPr>
-          <p:nvPr>
-            <p:ph idx="1"/>
-          </p:nvPr>
-        </p:nvSpPr>
-        <p:spPr/>
-        <p:txBody>
-          <a:bodyPr/>
-          <a:lstStyle/>
-          <a:p>
-            <a:pPr marL="0" indent="0">
-              <a:buNone/>
-            </a:pPr>
-            <a:r>
-              <a:rPr lang="en-US" dirty="0"/>
-              <a:t>Google hosts a cluster of computers (a rather large one) and you can use some of that compute to run Python-code. It’s a zero-setup way of doing data science or AI.</a:t>
-            </a:r>
-          </a:p>
-          <a:p>
-            <a:pPr marL="0" indent="0">
-              <a:buNone/>
-            </a:pPr>
-            <a:endParaRPr lang="en-US" dirty="0"/>
-          </a:p>
-          <a:p>
-            <a:pPr marL="0" indent="0">
-              <a:buNone/>
-            </a:pPr>
-            <a:r>
-              <a:rPr lang="en-US" dirty="0"/>
-              <a:t>It integrates with your google drive, which makes it easy to upload and download existing files. You can also share files this way, or even use </a:t>
-            </a:r>
-            <a:r>
-              <a:rPr lang="en-US" dirty="0" err="1"/>
-              <a:t>github</a:t>
-            </a:r>
-            <a:r>
-              <a:rPr lang="en-US" dirty="0"/>
-              <a:t>.</a:t>
-            </a:r>
-          </a:p>
-          <a:p>
-            <a:pPr marL="0" indent="0">
-              <a:buNone/>
-            </a:pPr>
-            <a:endParaRPr lang="en-US" dirty="0"/>
-          </a:p>
-          <a:p>
-            <a:pPr marL="0" indent="0">
-              <a:buNone/>
-            </a:pPr>
-            <a:endParaRPr lang="en-BE" dirty="0"/>
-          </a:p>
-        </p:txBody>
-      </p:sp>
-      <p:sp>
-        <p:nvSpPr>
-          <p:cNvPr id="4" name="Slide Number Placeholder 3">
-            <a:extLst>
-              <a:ext uri="{FF2B5EF4-FFF2-40B4-BE49-F238E27FC236}">
-                <a16:creationId xmlns:a16="http://schemas.microsoft.com/office/drawing/2014/main" id="{9827D37D-8069-1853-EED7-08CF62B03B87}"/>
-              </a:ext>
-            </a:extLst>
-          </p:cNvPr>
-          <p:cNvSpPr>
-            <a:spLocks noGrp="1"/>
-          </p:cNvSpPr>
-          <p:nvPr>
-            <p:ph type="sldNum" sz="quarter" idx="12"/>
-          </p:nvPr>
-        </p:nvSpPr>
-        <p:spPr/>
-        <p:txBody>
-          <a:bodyPr/>
-          <a:lstStyle/>
-          <a:p>
-            <a:fld id="{FE1B3154-47D9-4402-8EDB-E791933DC0B9}" type="slidenum">
-              <a:rPr lang="nl-BE" smtClean="0"/>
-              <a:pPr/>
-              <a:t>26</a:t>
-            </a:fld>
-            <a:endParaRPr lang="nl-BE"/>
-          </a:p>
-        </p:txBody>
-      </p:sp>
-    </p:spTree>
-    <p:extLst>
-      <p:ext uri="{BB962C8B-B14F-4D97-AF65-F5344CB8AC3E}">
-        <p14:creationId xmlns:p14="http://schemas.microsoft.com/office/powerpoint/2010/main" val="971727487"/>
-      </p:ext>
-    </p:extLst>
-  </p:cSld>
-  <p:clrMapOvr>
-    <a:masterClrMapping/>
-  </p:clrMapOvr>
-</p:sld>
-</file>
-
-<file path=ppt/slides/slide27.xml><?xml version="1.0" encoding="utf-8"?>
-<p:sld xmlns:a="http://schemas.openxmlformats.org/drawingml/2006/main" xmlns:r="http://schemas.openxmlformats.org/officeDocument/2006/relationships" xmlns:p="http://schemas.openxmlformats.org/presentationml/2006/main">
-  <p:cSld>
-    <p:spTree>
-      <p:nvGrpSpPr>
-        <p:cNvPr id="1" name=""/>
-        <p:cNvGrpSpPr/>
-        <p:nvPr/>
-      </p:nvGrpSpPr>
-      <p:grpSpPr>
-        <a:xfrm>
-          <a:off x="0" y="0"/>
-          <a:ext cx="0" cy="0"/>
-          <a:chOff x="0" y="0"/>
-          <a:chExt cx="0" cy="0"/>
-        </a:xfrm>
-      </p:grpSpPr>
-      <p:sp>
-        <p:nvSpPr>
-          <p:cNvPr id="2" name="Title 1">
-            <a:extLst>
-              <a:ext uri="{FF2B5EF4-FFF2-40B4-BE49-F238E27FC236}">
-                <a16:creationId xmlns:a16="http://schemas.microsoft.com/office/drawing/2014/main" id="{FAB1B449-1A10-0B84-F905-2FAFC197673F}"/>
-              </a:ext>
-            </a:extLst>
-          </p:cNvPr>
-          <p:cNvSpPr>
-            <a:spLocks noGrp="1"/>
-          </p:cNvSpPr>
-          <p:nvPr>
-            <p:ph type="title"/>
-          </p:nvPr>
-        </p:nvSpPr>
-        <p:spPr/>
-        <p:txBody>
-          <a:bodyPr/>
-          <a:lstStyle/>
-          <a:p>
-            <a:r>
-              <a:rPr lang="en-US" dirty="0"/>
-              <a:t>Running code</a:t>
-            </a:r>
-            <a:endParaRPr lang="en-BE" dirty="0"/>
-          </a:p>
-        </p:txBody>
-      </p:sp>
-      <p:sp>
-        <p:nvSpPr>
-          <p:cNvPr id="3" name="Content Placeholder 2">
-            <a:extLst>
-              <a:ext uri="{FF2B5EF4-FFF2-40B4-BE49-F238E27FC236}">
-                <a16:creationId xmlns:a16="http://schemas.microsoft.com/office/drawing/2014/main" id="{6E9C2649-B754-01CC-AD5B-53D1CCA339C8}"/>
-              </a:ext>
-            </a:extLst>
-          </p:cNvPr>
-          <p:cNvSpPr>
-            <a:spLocks noGrp="1"/>
-          </p:cNvSpPr>
-          <p:nvPr>
-            <p:ph idx="1"/>
-          </p:nvPr>
-        </p:nvSpPr>
-        <p:spPr/>
-        <p:txBody>
-          <a:bodyPr>
-            <a:normAutofit lnSpcReduction="10000"/>
-          </a:bodyPr>
-          <a:lstStyle/>
-          <a:p>
-            <a:pPr marL="457200" indent="-457200">
-              <a:buFont typeface="Arial" panose="020B0604020202020204" pitchFamily="34" charset="0"/>
-              <a:buChar char="•"/>
-            </a:pPr>
-            <a:r>
-              <a:rPr lang="en-US" dirty="0"/>
-              <a:t>Plain Python, use pip for libraries</a:t>
-            </a:r>
-          </a:p>
-          <a:p>
-            <a:pPr marL="457200" indent="-457200">
-              <a:buFont typeface="Arial" panose="020B0604020202020204" pitchFamily="34" charset="0"/>
-              <a:buChar char="•"/>
-            </a:pPr>
-            <a:r>
-              <a:rPr lang="en-US" dirty="0"/>
-              <a:t>Install Anaconda</a:t>
-            </a:r>
-          </a:p>
-          <a:p>
-            <a:pPr marL="457200" indent="-457200">
-              <a:buFont typeface="Arial" panose="020B0604020202020204" pitchFamily="34" charset="0"/>
-              <a:buChar char="•"/>
-            </a:pPr>
-            <a:r>
-              <a:rPr lang="en-US" dirty="0"/>
-              <a:t>Install </a:t>
-            </a:r>
-            <a:r>
-              <a:rPr lang="en-US" dirty="0" err="1"/>
-              <a:t>Jupyter</a:t>
-            </a:r>
-            <a:r>
-              <a:rPr lang="en-US" dirty="0"/>
-              <a:t> notebooks</a:t>
-            </a:r>
-          </a:p>
-          <a:p>
-            <a:pPr marL="457200" indent="-457200">
-              <a:buFont typeface="Arial" panose="020B0604020202020204" pitchFamily="34" charset="0"/>
-              <a:buChar char="•"/>
-            </a:pPr>
-            <a:endParaRPr lang="en-US" dirty="0"/>
-          </a:p>
-          <a:p>
-            <a:pPr marL="457200" indent="-457200">
-              <a:buFont typeface="Arial" panose="020B0604020202020204" pitchFamily="34" charset="0"/>
-              <a:buChar char="•"/>
-            </a:pPr>
-            <a:r>
-              <a:rPr lang="en-US" dirty="0"/>
-              <a:t>Run </a:t>
-            </a:r>
-            <a:r>
-              <a:rPr lang="en-US" dirty="0" err="1"/>
-              <a:t>Jupyter</a:t>
-            </a:r>
-            <a:r>
-              <a:rPr lang="en-US" dirty="0"/>
-              <a:t> in a </a:t>
-            </a:r>
-            <a:r>
-              <a:rPr lang="en-US" dirty="0" err="1"/>
-              <a:t>webbrowser</a:t>
-            </a:r>
-            <a:r>
-              <a:rPr lang="en-US" dirty="0"/>
-              <a:t> (Anaconda or </a:t>
-            </a:r>
-            <a:r>
-              <a:rPr lang="en-US" dirty="0" err="1"/>
-              <a:t>Jupyter</a:t>
-            </a:r>
-            <a:r>
-              <a:rPr lang="en-US" dirty="0"/>
-              <a:t>)</a:t>
-            </a:r>
-          </a:p>
-          <a:p>
-            <a:pPr marL="457200" indent="-457200">
-              <a:buFont typeface="Arial" panose="020B0604020202020204" pitchFamily="34" charset="0"/>
-              <a:buChar char="•"/>
-            </a:pPr>
-            <a:r>
-              <a:rPr lang="en-US" dirty="0"/>
-              <a:t>Or use </a:t>
-            </a:r>
-            <a:r>
-              <a:rPr lang="en-US" dirty="0" err="1"/>
-              <a:t>VSCode</a:t>
-            </a:r>
-            <a:r>
-              <a:rPr lang="en-US" dirty="0"/>
-              <a:t> (plain Python or Anaconda)</a:t>
-            </a:r>
-          </a:p>
-          <a:p>
-            <a:pPr marL="457200" indent="-457200">
-              <a:buFont typeface="Arial" panose="020B0604020202020204" pitchFamily="34" charset="0"/>
-              <a:buChar char="•"/>
-            </a:pPr>
-            <a:endParaRPr lang="en-US" dirty="0"/>
-          </a:p>
-          <a:p>
-            <a:pPr marL="457200" indent="-457200">
-              <a:buFont typeface="Arial" panose="020B0604020202020204" pitchFamily="34" charset="0"/>
-              <a:buChar char="•"/>
-            </a:pPr>
-            <a:r>
-              <a:rPr lang="en-US" dirty="0"/>
-              <a:t>Always use virtual environments</a:t>
-            </a:r>
-          </a:p>
-          <a:p>
-            <a:pPr marL="457200" indent="-457200">
-              <a:buFont typeface="Arial" panose="020B0604020202020204" pitchFamily="34" charset="0"/>
-              <a:buChar char="•"/>
-            </a:pPr>
-            <a:r>
-              <a:rPr lang="en-US" dirty="0"/>
-              <a:t>Consider using </a:t>
-            </a:r>
-            <a:r>
-              <a:rPr lang="en-US" dirty="0" err="1"/>
-              <a:t>Github</a:t>
-            </a:r>
-            <a:endParaRPr lang="en-US" dirty="0"/>
-          </a:p>
-          <a:p>
-            <a:pPr marL="817200" lvl="1" indent="-457200">
-              <a:buFont typeface="Arial" panose="020B0604020202020204" pitchFamily="34" charset="0"/>
-              <a:buChar char="•"/>
-            </a:pPr>
-            <a:r>
-              <a:rPr lang="en-US" dirty="0"/>
-              <a:t>When working with more than one developer: use </a:t>
-            </a:r>
-            <a:r>
-              <a:rPr lang="en-US" dirty="0" err="1"/>
-              <a:t>Github</a:t>
-            </a:r>
-            <a:endParaRPr lang="en-US" dirty="0"/>
-          </a:p>
-          <a:p>
-            <a:endParaRPr lang="en-BE" dirty="0"/>
-          </a:p>
-        </p:txBody>
-      </p:sp>
-      <p:sp>
-        <p:nvSpPr>
-          <p:cNvPr id="4" name="Slide Number Placeholder 3">
-            <a:extLst>
-              <a:ext uri="{FF2B5EF4-FFF2-40B4-BE49-F238E27FC236}">
-                <a16:creationId xmlns:a16="http://schemas.microsoft.com/office/drawing/2014/main" id="{3A3A8FB1-5352-1336-5D54-6FA5A649D58E}"/>
-              </a:ext>
-            </a:extLst>
-          </p:cNvPr>
-          <p:cNvSpPr>
-            <a:spLocks noGrp="1"/>
-          </p:cNvSpPr>
-          <p:nvPr>
-            <p:ph type="sldNum" sz="quarter" idx="12"/>
-          </p:nvPr>
-        </p:nvSpPr>
-        <p:spPr/>
-        <p:txBody>
-          <a:bodyPr/>
-          <a:lstStyle/>
-          <a:p>
-            <a:fld id="{FE1B3154-47D9-4402-8EDB-E791933DC0B9}" type="slidenum">
-              <a:rPr lang="nl-BE" smtClean="0"/>
-              <a:pPr/>
-              <a:t>27</a:t>
-            </a:fld>
-            <a:endParaRPr lang="nl-BE"/>
-          </a:p>
-        </p:txBody>
-      </p:sp>
-    </p:spTree>
-    <p:extLst>
-      <p:ext uri="{BB962C8B-B14F-4D97-AF65-F5344CB8AC3E}">
-        <p14:creationId xmlns:p14="http://schemas.microsoft.com/office/powerpoint/2010/main" val="2437333525"/>
-      </p:ext>
-    </p:extLst>
-  </p:cSld>
-  <p:clrMapOvr>
-    <a:masterClrMapping/>
-  </p:clrMapOvr>
-</p:sld>
-</file>
-
-<file path=ppt/slides/slide28.xml><?xml version="1.0" encoding="utf-8"?>
-<p:sld xmlns:a="http://schemas.openxmlformats.org/drawingml/2006/main" xmlns:r="http://schemas.openxmlformats.org/officeDocument/2006/relationships" xmlns:p="http://schemas.openxmlformats.org/presentationml/2006/main">
-  <p:cSld>
-    <p:spTree>
-      <p:nvGrpSpPr>
-        <p:cNvPr id="1" name=""/>
-        <p:cNvGrpSpPr/>
-        <p:nvPr/>
-      </p:nvGrpSpPr>
-      <p:grpSpPr>
-        <a:xfrm>
-          <a:off x="0" y="0"/>
-          <a:ext cx="0" cy="0"/>
-          <a:chOff x="0" y="0"/>
-          <a:chExt cx="0" cy="0"/>
-        </a:xfrm>
-      </p:grpSpPr>
-      <p:sp>
-        <p:nvSpPr>
-          <p:cNvPr id="2" name="Title 1">
-            <a:extLst>
-              <a:ext uri="{FF2B5EF4-FFF2-40B4-BE49-F238E27FC236}">
                 <a16:creationId xmlns:a16="http://schemas.microsoft.com/office/drawing/2014/main" id="{C67AECE2-37ED-2109-F3A2-E57867BE4050}"/>
               </a:ext>
             </a:extLst>
@@ -13064,7 +12043,15 @@
             </a:r>
             <a:r>
               <a:rPr lang="en-US" dirty="0"/>
-              <a:t>. (See enclosed PDF for installation.)</a:t>
+              <a:t>. (See </a:t>
+            </a:r>
+            <a:r>
+              <a:rPr lang="en-US"/>
+              <a:t>enclosed PPTX </a:t>
+            </a:r>
+            <a:r>
+              <a:rPr lang="en-US" dirty="0"/>
+              <a:t>for installation.)</a:t>
             </a:r>
           </a:p>
           <a:p>
@@ -13109,7 +12096,7 @@
             <a:fld id="{FE1B3154-47D9-4402-8EDB-E791933DC0B9}" type="slidenum">
               <a:rPr lang="nl-BE" smtClean="0"/>
               <a:pPr/>
-              <a:t>28</a:t>
+              <a:t>24</a:t>
             </a:fld>
             <a:endParaRPr lang="nl-BE"/>
           </a:p>
@@ -13211,7 +12198,7 @@
             </a:pPr>
             <a:r>
               <a:rPr lang="en-US" dirty="0"/>
-              <a:t>These alle exist for Python, and are well maintained, mostly open source and extensively documented</a:t>
+              <a:t>These all exist for Python, and are well maintained, mostly open source and extensively documented</a:t>
             </a:r>
           </a:p>
           <a:p>
@@ -13796,7 +12783,7 @@
             </a:r>
             <a:r>
               <a:rPr lang="en-US" dirty="0"/>
-              <a:t>) is the industry default for Data science. Everyone uses it, so it must be good. Installation is pretty straightforward too...</a:t>
+              <a:t>) used to be the industry default for Data science. Everyone used it, so it must be good. Installation was(/is) pretty straightforward too...</a:t>
             </a:r>
           </a:p>
           <a:p>
@@ -13917,7 +12904,7 @@
           <p:cNvPr id="2" name="Title 1">
             <a:extLst>
               <a:ext uri="{FF2B5EF4-FFF2-40B4-BE49-F238E27FC236}">
-                <a16:creationId xmlns:a16="http://schemas.microsoft.com/office/drawing/2014/main" id="{CA8B878D-4B0F-B77E-7540-CDB062E56738}"/>
+                <a16:creationId xmlns:a16="http://schemas.microsoft.com/office/drawing/2014/main" id="{AA050E56-35C0-58C2-5D44-8CCCFD60EC4E}"/>
               </a:ext>
             </a:extLst>
           </p:cNvPr>
@@ -13935,9 +12922,8 @@
           <a:p>
             <a:r>
               <a:rPr lang="en-US" dirty="0"/>
-              <a:t>Installation</a:t>
-            </a:r>
-            <a:endParaRPr lang="en-BE" dirty="0"/>
+              <a:t>Anaconda in the past tense?</a:t>
+            </a:r>
           </a:p>
         </p:txBody>
       </p:sp>
@@ -13946,7 +12932,7 @@
           <p:cNvPr id="3" name="Content Placeholder 2">
             <a:extLst>
               <a:ext uri="{FF2B5EF4-FFF2-40B4-BE49-F238E27FC236}">
-                <a16:creationId xmlns:a16="http://schemas.microsoft.com/office/drawing/2014/main" id="{A32573B5-C933-BA96-DCFF-0F8BEDC0B780}"/>
+                <a16:creationId xmlns:a16="http://schemas.microsoft.com/office/drawing/2014/main" id="{A13A19B9-B045-3389-B408-7FAADC990DE2}"/>
               </a:ext>
             </a:extLst>
           </p:cNvPr>
@@ -13962,37 +12948,39 @@
           <a:bodyPr/>
           <a:lstStyle/>
           <a:p>
-            <a:pPr marL="457200" indent="-457200">
-              <a:buFont typeface="Arial" panose="020B0604020202020204" pitchFamily="34" charset="0"/>
-              <a:buChar char="•"/>
-            </a:pPr>
-            <a:r>
-              <a:rPr lang="en-US" dirty="0"/>
-              <a:t>Download the individual edition from anaconda.com</a:t>
-            </a:r>
-          </a:p>
-          <a:p>
-            <a:pPr marL="457200" indent="-457200">
-              <a:buFont typeface="Arial" panose="020B0604020202020204" pitchFamily="34" charset="0"/>
-              <a:buChar char="•"/>
-            </a:pPr>
+            <a:r>
+              <a:rPr lang="en-US" dirty="0"/>
+              <a:t>Anaconda pre-installed a lot of the libraries (pandas, </a:t>
+            </a:r>
             <a:r>
               <a:rPr lang="en-US" dirty="0" err="1"/>
-              <a:t>Doubleclick</a:t>
-            </a:r>
-            <a:r>
-              <a:rPr lang="en-US" dirty="0"/>
-              <a:t> the installation-file, next a lot</a:t>
-            </a:r>
-          </a:p>
-          <a:p>
-            <a:pPr marL="457200" indent="-457200">
-              <a:buFont typeface="Arial" panose="020B0604020202020204" pitchFamily="34" charset="0"/>
-              <a:buChar char="•"/>
-            </a:pPr>
-            <a:r>
-              <a:rPr lang="en-US" dirty="0"/>
-              <a:t>Run the anaconda-navigator and start </a:t>
+              <a:t>numpy</a:t>
+            </a:r>
+            <a:r>
+              <a:rPr lang="en-US" dirty="0"/>
+              <a:t>, </a:t>
+            </a:r>
+            <a:r>
+              <a:rPr lang="en-US" dirty="0" err="1"/>
+              <a:t>Jupyter</a:t>
+            </a:r>
+            <a:r>
+              <a:rPr lang="en-US" dirty="0"/>
+              <a:t>), which is easy for beginners</a:t>
+            </a:r>
+          </a:p>
+          <a:p>
+            <a:r>
+              <a:rPr lang="en-US" dirty="0"/>
+              <a:t>It also provided an easy way to get </a:t>
+            </a:r>
+            <a:r>
+              <a:rPr lang="en-US" dirty="0" err="1"/>
+              <a:t>Jupyter</a:t>
+            </a:r>
+            <a:r>
+              <a:rPr lang="en-US" dirty="0"/>
+              <a:t> notebooks running before </a:t>
             </a:r>
             <a:r>
               <a:rPr lang="en-US" dirty="0" err="1"/>
@@ -14000,32 +12988,28 @@
             </a:r>
             <a:r>
               <a:rPr lang="en-US" dirty="0"/>
-              <a:t> from there</a:t>
-            </a:r>
-          </a:p>
-          <a:p>
-            <a:pPr marL="817200" lvl="1" indent="-457200">
-              <a:buFont typeface="Arial" panose="020B0604020202020204" pitchFamily="34" charset="0"/>
-              <a:buChar char="•"/>
-            </a:pPr>
-            <a:r>
-              <a:rPr lang="en-US" dirty="0"/>
-              <a:t>Or start </a:t>
+              <a:t> existed</a:t>
+            </a:r>
+          </a:p>
+          <a:p>
+            <a:r>
+              <a:rPr lang="en-US" dirty="0"/>
+              <a:t>But it didn’t use the default virtual environments and in stead used </a:t>
             </a:r>
             <a:r>
               <a:rPr lang="en-US" dirty="0" err="1"/>
-              <a:t>Jupyter</a:t>
-            </a:r>
-            <a:r>
-              <a:rPr lang="en-US" dirty="0"/>
-              <a:t> to run notebooks in a browser</a:t>
-            </a:r>
-          </a:p>
-          <a:p>
-            <a:endParaRPr lang="en-US" dirty="0"/>
-          </a:p>
-          <a:p>
-            <a:endParaRPr lang="en-BE" dirty="0"/>
+              <a:t>conda</a:t>
+            </a:r>
+            <a:r>
+              <a:rPr lang="en-US" dirty="0"/>
+              <a:t>, which also worked but it was a new tool to learn</a:t>
+            </a:r>
+          </a:p>
+          <a:p>
+            <a:r>
+              <a:rPr lang="en-US" dirty="0"/>
+              <a:t>It’s still used in some organizations (research) but a less than before</a:t>
+            </a:r>
           </a:p>
         </p:txBody>
       </p:sp>
@@ -14034,7 +13018,7 @@
           <p:cNvPr id="4" name="Slide Number Placeholder 3">
             <a:extLst>
               <a:ext uri="{FF2B5EF4-FFF2-40B4-BE49-F238E27FC236}">
-                <a16:creationId xmlns:a16="http://schemas.microsoft.com/office/drawing/2014/main" id="{4306E91D-5A98-A714-7DF5-79418EFEE0C0}"/>
+                <a16:creationId xmlns:a16="http://schemas.microsoft.com/office/drawing/2014/main" id="{1B71F636-477A-DF49-26E9-B76432D36CB5}"/>
               </a:ext>
             </a:extLst>
           </p:cNvPr>
@@ -14062,7 +13046,7 @@
     </p:spTree>
     <p:extLst>
       <p:ext uri="{BB962C8B-B14F-4D97-AF65-F5344CB8AC3E}">
-        <p14:creationId xmlns:p14="http://schemas.microsoft.com/office/powerpoint/2010/main" val="2203828202"/>
+        <p14:creationId xmlns:p14="http://schemas.microsoft.com/office/powerpoint/2010/main" val="3120231983"/>
       </p:ext>
     </p:extLst>
   </p:cSld>

--- a/ppts/2 - Working environment overview.pptx
+++ b/ppts/2 - Working environment overview.pptx
@@ -5,10 +5,10 @@
     <p:sldMasterId id="2147483648" r:id="rId1"/>
   </p:sldMasterIdLst>
   <p:notesMasterIdLst>
-    <p:notesMasterId r:id="rId26"/>
+    <p:notesMasterId r:id="rId28"/>
   </p:notesMasterIdLst>
   <p:handoutMasterIdLst>
-    <p:handoutMasterId r:id="rId27"/>
+    <p:handoutMasterId r:id="rId29"/>
   </p:handoutMasterIdLst>
   <p:sldIdLst>
     <p:sldId id="256" r:id="rId2"/>
@@ -34,12 +34,14 @@
     <p:sldId id="317" r:id="rId22"/>
     <p:sldId id="313" r:id="rId23"/>
     <p:sldId id="314" r:id="rId24"/>
-    <p:sldId id="288" r:id="rId25"/>
+    <p:sldId id="318" r:id="rId25"/>
+    <p:sldId id="320" r:id="rId26"/>
+    <p:sldId id="288" r:id="rId27"/>
   </p:sldIdLst>
   <p:sldSz cx="12192000" cy="6858000"/>
   <p:notesSz cx="6858000" cy="9144000"/>
   <p:custDataLst>
-    <p:tags r:id="rId28"/>
+    <p:tags r:id="rId30"/>
   </p:custDataLst>
   <p:defaultTextStyle>
     <a:defPPr>
@@ -4894,7 +4896,7 @@
           <a:p>
             <a:fld id="{15E4F5CE-CB34-4A0C-9595-867A2C0DB20E}" type="datetimeFigureOut">
               <a:rPr lang="nl-BE" smtClean="0"/>
-              <a:t>1/05/2025</a:t>
+              <a:t>10/05/2025</a:t>
             </a:fld>
             <a:endParaRPr lang="nl-BE"/>
           </a:p>
@@ -5071,7 +5073,7 @@
           <a:p>
             <a:fld id="{4D53584B-980D-4F7D-BA36-682FCDF648BB}" type="datetimeFigureOut">
               <a:rPr lang="nl-BE" smtClean="0"/>
-              <a:t>1/05/2025</a:t>
+              <a:t>10/05/2025</a:t>
             </a:fld>
             <a:endParaRPr lang="nl-BE"/>
           </a:p>
@@ -5572,7 +5574,7 @@
           <a:p>
             <a:fld id="{F456E141-11F1-487F-A892-18B8A63336C7}" type="datetime1">
               <a:rPr lang="nl-BE" smtClean="0"/>
-              <a:t>1/05/2025</a:t>
+              <a:t>10/05/2025</a:t>
             </a:fld>
             <a:endParaRPr lang="nl-BE"/>
           </a:p>
@@ -5888,7 +5890,7 @@
           <a:p>
             <a:fld id="{85CAFD92-94F2-4CD0-8A1D-AA3295115CEC}" type="datetime1">
               <a:rPr lang="nl-BE" smtClean="0"/>
-              <a:t>1/05/2025</a:t>
+              <a:t>10/05/2025</a:t>
             </a:fld>
             <a:endParaRPr lang="nl-BE"/>
           </a:p>
@@ -6068,7 +6070,7 @@
           <a:p>
             <a:fld id="{02B84EFA-B363-4043-A12E-44B39EC7D05B}" type="datetime1">
               <a:rPr lang="nl-BE" smtClean="0"/>
-              <a:t>1/05/2025</a:t>
+              <a:t>10/05/2025</a:t>
             </a:fld>
             <a:endParaRPr lang="nl-BE"/>
           </a:p>
@@ -6267,7 +6269,7 @@
           <a:p>
             <a:fld id="{B7AA89A6-C9B9-4556-BC9E-5E3CF3322A33}" type="datetime1">
               <a:rPr lang="nl-BE" smtClean="0"/>
-              <a:t>1/05/2025</a:t>
+              <a:t>10/05/2025</a:t>
             </a:fld>
             <a:endParaRPr lang="nl-BE"/>
           </a:p>
@@ -6518,7 +6520,7 @@
           <a:p>
             <a:fld id="{6CEB42D4-4FBB-465F-AE58-8ADBDBF671C8}" type="datetime1">
               <a:rPr lang="nl-BE" smtClean="0"/>
-              <a:t>1/05/2025</a:t>
+              <a:t>10/05/2025</a:t>
             </a:fld>
             <a:endParaRPr lang="nl-BE"/>
           </a:p>
@@ -6750,7 +6752,7 @@
           <a:p>
             <a:fld id="{64B405D5-C0FD-42E0-9EB1-2670F471B7BB}" type="datetime1">
               <a:rPr lang="nl-BE" smtClean="0"/>
-              <a:t>1/05/2025</a:t>
+              <a:t>10/05/2025</a:t>
             </a:fld>
             <a:endParaRPr lang="nl-BE"/>
           </a:p>
@@ -7117,7 +7119,7 @@
           <a:p>
             <a:fld id="{4CB55C39-C031-448F-A58F-CA88F7B6F786}" type="datetime1">
               <a:rPr lang="nl-BE" smtClean="0"/>
-              <a:t>1/05/2025</a:t>
+              <a:t>10/05/2025</a:t>
             </a:fld>
             <a:endParaRPr lang="nl-BE"/>
           </a:p>
@@ -7235,7 +7237,7 @@
           <a:p>
             <a:fld id="{E29307F5-1DF0-4FFF-91A4-1E1A6A26A94A}" type="datetime1">
               <a:rPr lang="nl-BE" smtClean="0"/>
-              <a:t>1/05/2025</a:t>
+              <a:t>10/05/2025</a:t>
             </a:fld>
             <a:endParaRPr lang="nl-BE"/>
           </a:p>
@@ -7330,7 +7332,7 @@
           <a:p>
             <a:fld id="{00A9168B-A159-4E9D-A6C6-C6786C6AB2EB}" type="datetime1">
               <a:rPr lang="nl-BE" smtClean="0"/>
-              <a:t>1/05/2025</a:t>
+              <a:t>10/05/2025</a:t>
             </a:fld>
             <a:endParaRPr lang="nl-BE"/>
           </a:p>
@@ -7607,7 +7609,7 @@
           <a:p>
             <a:fld id="{E9D22159-AF82-4D23-BC06-D4277BDD9BAD}" type="datetime1">
               <a:rPr lang="nl-BE" smtClean="0"/>
-              <a:t>1/05/2025</a:t>
+              <a:t>10/05/2025</a:t>
             </a:fld>
             <a:endParaRPr lang="nl-BE"/>
           </a:p>
@@ -7860,7 +7862,7 @@
           <a:p>
             <a:fld id="{D08A7014-C292-4E4F-926C-1A31F538B52A}" type="datetime1">
               <a:rPr lang="nl-BE" smtClean="0"/>
-              <a:t>1/05/2025</a:t>
+              <a:t>10/05/2025</a:t>
             </a:fld>
             <a:endParaRPr lang="nl-BE"/>
           </a:p>
@@ -8073,7 +8075,7 @@
           <a:p>
             <a:fld id="{E9CC7161-F687-474C-905A-3CCBBA535086}" type="datetime1">
               <a:rPr lang="nl-BE" smtClean="0"/>
-              <a:t>1/05/2025</a:t>
+              <a:t>10/05/2025</a:t>
             </a:fld>
             <a:endParaRPr lang="nl-BE"/>
           </a:p>
@@ -11957,6 +11959,494 @@
           <a:chExt cx="0" cy="0"/>
         </a:xfrm>
       </p:grpSpPr>
+      <p:pic>
+        <p:nvPicPr>
+          <p:cNvPr id="10" name="Picture 9">
+            <a:extLst>
+              <a:ext uri="{FF2B5EF4-FFF2-40B4-BE49-F238E27FC236}">
+                <a16:creationId xmlns:a16="http://schemas.microsoft.com/office/drawing/2014/main" id="{E26672E5-67CC-D546-E5C2-CC8D474E6DC2}"/>
+              </a:ext>
+            </a:extLst>
+          </p:cNvPr>
+          <p:cNvPicPr>
+            <a:picLocks noChangeAspect="1"/>
+          </p:cNvPicPr>
+          <p:nvPr/>
+        </p:nvPicPr>
+        <p:blipFill>
+          <a:blip r:embed="rId2"/>
+          <a:stretch>
+            <a:fillRect/>
+          </a:stretch>
+        </p:blipFill>
+        <p:spPr>
+          <a:xfrm>
+            <a:off x="0" y="5109210"/>
+            <a:ext cx="1264277" cy="1748790"/>
+          </a:xfrm>
+          <a:prstGeom prst="rect">
+            <a:avLst/>
+          </a:prstGeom>
+        </p:spPr>
+      </p:pic>
+      <p:sp>
+        <p:nvSpPr>
+          <p:cNvPr id="2" name="Title 1">
+            <a:extLst>
+              <a:ext uri="{FF2B5EF4-FFF2-40B4-BE49-F238E27FC236}">
+                <a16:creationId xmlns:a16="http://schemas.microsoft.com/office/drawing/2014/main" id="{29A429DF-2EB9-D15D-5070-1461B4325BA7}"/>
+              </a:ext>
+            </a:extLst>
+          </p:cNvPr>
+          <p:cNvSpPr>
+            <a:spLocks noGrp="1"/>
+          </p:cNvSpPr>
+          <p:nvPr>
+            <p:ph type="title"/>
+          </p:nvPr>
+        </p:nvSpPr>
+        <p:spPr/>
+        <p:txBody>
+          <a:bodyPr/>
+          <a:lstStyle/>
+          <a:p>
+            <a:r>
+              <a:rPr lang="en-US" dirty="0"/>
+              <a:t>Or maybe?</a:t>
+            </a:r>
+          </a:p>
+        </p:txBody>
+      </p:sp>
+      <p:sp>
+        <p:nvSpPr>
+          <p:cNvPr id="3" name="Content Placeholder 2">
+            <a:extLst>
+              <a:ext uri="{FF2B5EF4-FFF2-40B4-BE49-F238E27FC236}">
+                <a16:creationId xmlns:a16="http://schemas.microsoft.com/office/drawing/2014/main" id="{3CDDB42D-E5A0-8D44-5EDE-ACB2051514A2}"/>
+              </a:ext>
+            </a:extLst>
+          </p:cNvPr>
+          <p:cNvSpPr>
+            <a:spLocks noGrp="1"/>
+          </p:cNvSpPr>
+          <p:nvPr>
+            <p:ph idx="1"/>
+          </p:nvPr>
+        </p:nvSpPr>
+        <p:spPr>
+          <a:xfrm>
+            <a:off x="582705" y="1550895"/>
+            <a:ext cx="10771094" cy="4381276"/>
+          </a:xfrm>
+        </p:spPr>
+        <p:txBody>
+          <a:bodyPr>
+            <a:normAutofit lnSpcReduction="10000"/>
+          </a:bodyPr>
+          <a:lstStyle/>
+          <a:p>
+            <a:r>
+              <a:rPr lang="en-US" dirty="0"/>
+              <a:t>Shouldn’t we be looking into Julia, since it’s newer</a:t>
+            </a:r>
+          </a:p>
+          <a:p>
+            <a:pPr lvl="1"/>
+            <a:r>
+              <a:rPr lang="en-US" dirty="0"/>
+              <a:t>And therefore, by definition, cooler</a:t>
+            </a:r>
+          </a:p>
+          <a:p>
+            <a:r>
+              <a:rPr lang="en-US" dirty="0"/>
+              <a:t>When switching to Julia </a:t>
+            </a:r>
+            <a:r>
+              <a:rPr lang="en-US" b="1" dirty="0"/>
+              <a:t>might</a:t>
+            </a:r>
+            <a:r>
+              <a:rPr lang="en-US" dirty="0"/>
+              <a:t> be a good idea:</a:t>
+            </a:r>
+          </a:p>
+          <a:p>
+            <a:pPr lvl="1"/>
+            <a:r>
+              <a:rPr lang="en-US" dirty="0"/>
+              <a:t>Performance is a bottleneck: Julia’s just-in-time (JIT) compilation can significantly outperform Python in computationally heavy tasks</a:t>
+            </a:r>
+          </a:p>
+          <a:p>
+            <a:pPr lvl="1"/>
+            <a:r>
+              <a:rPr lang="en-US" dirty="0"/>
+              <a:t>You're doing a lot of numerical computing or scientific ML: Julia was designed for numerical work and is strong in scientific computing, differential equations, and modeling</a:t>
+            </a:r>
+          </a:p>
+          <a:p>
+            <a:pPr lvl="1"/>
+            <a:r>
+              <a:rPr lang="en-US" dirty="0"/>
+              <a:t>You want a cleaner “one-language” workflow: Unlike Python (which mixes with C/C++/Fortran under the hood for speed), Julia lets you write high-performance code directly without leaving the language</a:t>
+            </a:r>
+          </a:p>
+        </p:txBody>
+      </p:sp>
+      <p:sp>
+        <p:nvSpPr>
+          <p:cNvPr id="4" name="Slide Number Placeholder 3">
+            <a:extLst>
+              <a:ext uri="{FF2B5EF4-FFF2-40B4-BE49-F238E27FC236}">
+                <a16:creationId xmlns:a16="http://schemas.microsoft.com/office/drawing/2014/main" id="{E3C46993-9035-780B-A7BE-0482B28D6E70}"/>
+              </a:ext>
+            </a:extLst>
+          </p:cNvPr>
+          <p:cNvSpPr>
+            <a:spLocks noGrp="1"/>
+          </p:cNvSpPr>
+          <p:nvPr>
+            <p:ph type="sldNum" sz="quarter" idx="12"/>
+          </p:nvPr>
+        </p:nvSpPr>
+        <p:spPr/>
+        <p:txBody>
+          <a:bodyPr/>
+          <a:lstStyle/>
+          <a:p>
+            <a:fld id="{FE1B3154-47D9-4402-8EDB-E791933DC0B9}" type="slidenum">
+              <a:rPr lang="nl-BE" smtClean="0"/>
+              <a:pPr/>
+              <a:t>24</a:t>
+            </a:fld>
+            <a:endParaRPr lang="nl-BE" dirty="0"/>
+          </a:p>
+        </p:txBody>
+      </p:sp>
+      <p:pic>
+        <p:nvPicPr>
+          <p:cNvPr id="8" name="Picture 7">
+            <a:extLst>
+              <a:ext uri="{FF2B5EF4-FFF2-40B4-BE49-F238E27FC236}">
+                <a16:creationId xmlns:a16="http://schemas.microsoft.com/office/drawing/2014/main" id="{C903FB5D-EF13-4845-26BA-63702BB1D821}"/>
+              </a:ext>
+            </a:extLst>
+          </p:cNvPr>
+          <p:cNvPicPr>
+            <a:picLocks noChangeAspect="1"/>
+          </p:cNvPicPr>
+          <p:nvPr/>
+        </p:nvPicPr>
+        <p:blipFill>
+          <a:blip r:embed="rId3"/>
+          <a:stretch>
+            <a:fillRect/>
+          </a:stretch>
+        </p:blipFill>
+        <p:spPr>
+          <a:xfrm>
+            <a:off x="10607040" y="0"/>
+            <a:ext cx="1584960" cy="3313355"/>
+          </a:xfrm>
+          <a:prstGeom prst="rect">
+            <a:avLst/>
+          </a:prstGeom>
+        </p:spPr>
+      </p:pic>
+    </p:spTree>
+    <p:extLst>
+      <p:ext uri="{BB962C8B-B14F-4D97-AF65-F5344CB8AC3E}">
+        <p14:creationId xmlns:p14="http://schemas.microsoft.com/office/powerpoint/2010/main" val="750276060"/>
+      </p:ext>
+    </p:extLst>
+  </p:cSld>
+  <p:clrMapOvr>
+    <a:masterClrMapping/>
+  </p:clrMapOvr>
+</p:sld>
+</file>
+
+<file path=ppt/slides/slide25.xml><?xml version="1.0" encoding="utf-8"?>
+<p:sld xmlns:a="http://schemas.openxmlformats.org/drawingml/2006/main" xmlns:r="http://schemas.openxmlformats.org/officeDocument/2006/relationships" xmlns:p="http://schemas.openxmlformats.org/presentationml/2006/main">
+  <p:cSld>
+    <p:spTree>
+      <p:nvGrpSpPr>
+        <p:cNvPr id="1" name="">
+          <a:extLst>
+            <a:ext uri="{FF2B5EF4-FFF2-40B4-BE49-F238E27FC236}">
+              <a16:creationId xmlns:a16="http://schemas.microsoft.com/office/drawing/2014/main" id="{BF5C818F-3913-8A48-27D5-E0EDFA45FBE2}"/>
+            </a:ext>
+          </a:extLst>
+        </p:cNvPr>
+        <p:cNvGrpSpPr/>
+        <p:nvPr/>
+      </p:nvGrpSpPr>
+      <p:grpSpPr>
+        <a:xfrm>
+          <a:off x="0" y="0"/>
+          <a:ext cx="0" cy="0"/>
+          <a:chOff x="0" y="0"/>
+          <a:chExt cx="0" cy="0"/>
+        </a:xfrm>
+      </p:grpSpPr>
+      <p:pic>
+        <p:nvPicPr>
+          <p:cNvPr id="6" name="Picture 5">
+            <a:extLst>
+              <a:ext uri="{FF2B5EF4-FFF2-40B4-BE49-F238E27FC236}">
+                <a16:creationId xmlns:a16="http://schemas.microsoft.com/office/drawing/2014/main" id="{B270DF1B-26EC-20F2-D1F7-C894A3931535}"/>
+              </a:ext>
+            </a:extLst>
+          </p:cNvPr>
+          <p:cNvPicPr>
+            <a:picLocks noChangeAspect="1"/>
+          </p:cNvPicPr>
+          <p:nvPr/>
+        </p:nvPicPr>
+        <p:blipFill>
+          <a:blip r:embed="rId2"/>
+          <a:stretch>
+            <a:fillRect/>
+          </a:stretch>
+        </p:blipFill>
+        <p:spPr>
+          <a:xfrm>
+            <a:off x="0" y="4572000"/>
+            <a:ext cx="1665654" cy="2286000"/>
+          </a:xfrm>
+          <a:prstGeom prst="rect">
+            <a:avLst/>
+          </a:prstGeom>
+        </p:spPr>
+      </p:pic>
+      <p:sp>
+        <p:nvSpPr>
+          <p:cNvPr id="2" name="Title 1">
+            <a:extLst>
+              <a:ext uri="{FF2B5EF4-FFF2-40B4-BE49-F238E27FC236}">
+                <a16:creationId xmlns:a16="http://schemas.microsoft.com/office/drawing/2014/main" id="{FE0A2340-3F87-021B-2094-551578076159}"/>
+              </a:ext>
+            </a:extLst>
+          </p:cNvPr>
+          <p:cNvSpPr>
+            <a:spLocks noGrp="1"/>
+          </p:cNvSpPr>
+          <p:nvPr>
+            <p:ph type="title"/>
+          </p:nvPr>
+        </p:nvSpPr>
+        <p:spPr/>
+        <p:txBody>
+          <a:bodyPr/>
+          <a:lstStyle/>
+          <a:p>
+            <a:r>
+              <a:rPr lang="en-US" dirty="0"/>
+              <a:t>Or maybe?</a:t>
+            </a:r>
+          </a:p>
+        </p:txBody>
+      </p:sp>
+      <p:sp>
+        <p:nvSpPr>
+          <p:cNvPr id="3" name="Content Placeholder 2">
+            <a:extLst>
+              <a:ext uri="{FF2B5EF4-FFF2-40B4-BE49-F238E27FC236}">
+                <a16:creationId xmlns:a16="http://schemas.microsoft.com/office/drawing/2014/main" id="{3DD936EC-0DD6-1E7D-EADF-CDF839EB9D42}"/>
+              </a:ext>
+            </a:extLst>
+          </p:cNvPr>
+          <p:cNvSpPr>
+            <a:spLocks noGrp="1"/>
+          </p:cNvSpPr>
+          <p:nvPr>
+            <p:ph idx="1"/>
+          </p:nvPr>
+        </p:nvSpPr>
+        <p:spPr>
+          <a:xfrm>
+            <a:off x="582705" y="1550895"/>
+            <a:ext cx="10771094" cy="4381276"/>
+          </a:xfrm>
+        </p:spPr>
+        <p:txBody>
+          <a:bodyPr>
+            <a:normAutofit fontScale="92500" lnSpcReduction="10000"/>
+          </a:bodyPr>
+          <a:lstStyle/>
+          <a:p>
+            <a:r>
+              <a:rPr lang="en-US" i="1" dirty="0"/>
+              <a:t>Shouldn’t we be looking into Julia, since it’s newer</a:t>
+            </a:r>
+          </a:p>
+          <a:p>
+            <a:pPr lvl="1"/>
+            <a:r>
+              <a:rPr lang="en-US" i="1" dirty="0"/>
+              <a:t>And therefore, by definition, cooler</a:t>
+            </a:r>
+          </a:p>
+          <a:p>
+            <a:r>
+              <a:rPr lang="en-US" dirty="0"/>
+              <a:t>When not to switch:</a:t>
+            </a:r>
+          </a:p>
+          <a:p>
+            <a:pPr lvl="1"/>
+            <a:r>
+              <a:rPr lang="en-US" dirty="0"/>
+              <a:t>You're already productive in Python: Python has mature ML libraries (e.g., scikit-learn, </a:t>
+            </a:r>
+            <a:r>
+              <a:rPr lang="en-US" dirty="0" err="1"/>
+              <a:t>PyTorch</a:t>
+            </a:r>
+            <a:r>
+              <a:rPr lang="en-US" dirty="0"/>
+              <a:t>, TensorFlow, </a:t>
+            </a:r>
+            <a:r>
+              <a:rPr lang="en-US" dirty="0" err="1"/>
+              <a:t>XGBoost</a:t>
+            </a:r>
+            <a:r>
+              <a:rPr lang="en-US" dirty="0"/>
+              <a:t>) and a huge community. Switching means losing access to some of that maturity, unless you can interop with Python via </a:t>
+            </a:r>
+            <a:r>
+              <a:rPr lang="en-US" dirty="0" err="1"/>
+              <a:t>PyCall</a:t>
+            </a:r>
+            <a:r>
+              <a:rPr lang="en-US" dirty="0"/>
+              <a:t>.</a:t>
+            </a:r>
+          </a:p>
+          <a:p>
+            <a:pPr lvl="1"/>
+            <a:r>
+              <a:rPr lang="en-US" dirty="0"/>
+              <a:t>You use a lot of prebuilt ML tools: Julia's ML ecosystem (e.g., </a:t>
+            </a:r>
+            <a:r>
+              <a:rPr lang="en-US" dirty="0" err="1"/>
+              <a:t>Flux.jl</a:t>
+            </a:r>
+            <a:r>
+              <a:rPr lang="en-US" dirty="0"/>
+              <a:t>, </a:t>
+            </a:r>
+            <a:r>
+              <a:rPr lang="en-US" dirty="0" err="1"/>
+              <a:t>MLJ.jl</a:t>
+            </a:r>
+            <a:r>
+              <a:rPr lang="en-US" dirty="0"/>
+              <a:t>) is growing but still behind Python in terms of documentation, tutorials, and robustness.</a:t>
+            </a:r>
+          </a:p>
+          <a:p>
+            <a:pPr lvl="1"/>
+            <a:r>
+              <a:rPr lang="en-US" dirty="0"/>
+              <a:t>You collaborate with others: Python is the standard in most research and industry ML workflows. Introducing Julia may cause friction unless your team is on board.</a:t>
+            </a:r>
+          </a:p>
+        </p:txBody>
+      </p:sp>
+      <p:sp>
+        <p:nvSpPr>
+          <p:cNvPr id="4" name="Slide Number Placeholder 3">
+            <a:extLst>
+              <a:ext uri="{FF2B5EF4-FFF2-40B4-BE49-F238E27FC236}">
+                <a16:creationId xmlns:a16="http://schemas.microsoft.com/office/drawing/2014/main" id="{5AF8D162-31F3-C1D6-6343-BDF772165AC4}"/>
+              </a:ext>
+            </a:extLst>
+          </p:cNvPr>
+          <p:cNvSpPr>
+            <a:spLocks noGrp="1"/>
+          </p:cNvSpPr>
+          <p:nvPr>
+            <p:ph type="sldNum" sz="quarter" idx="12"/>
+          </p:nvPr>
+        </p:nvSpPr>
+        <p:spPr/>
+        <p:txBody>
+          <a:bodyPr/>
+          <a:lstStyle/>
+          <a:p>
+            <a:fld id="{FE1B3154-47D9-4402-8EDB-E791933DC0B9}" type="slidenum">
+              <a:rPr lang="nl-BE" smtClean="0"/>
+              <a:pPr/>
+              <a:t>25</a:t>
+            </a:fld>
+            <a:endParaRPr lang="nl-BE" dirty="0"/>
+          </a:p>
+        </p:txBody>
+      </p:sp>
+      <p:pic>
+        <p:nvPicPr>
+          <p:cNvPr id="8" name="Picture 7">
+            <a:extLst>
+              <a:ext uri="{FF2B5EF4-FFF2-40B4-BE49-F238E27FC236}">
+                <a16:creationId xmlns:a16="http://schemas.microsoft.com/office/drawing/2014/main" id="{76678AA5-16C2-A1BE-CFB6-943A4B1AF84B}"/>
+              </a:ext>
+            </a:extLst>
+          </p:cNvPr>
+          <p:cNvPicPr>
+            <a:picLocks noChangeAspect="1"/>
+          </p:cNvPicPr>
+          <p:nvPr/>
+        </p:nvPicPr>
+        <p:blipFill>
+          <a:blip r:embed="rId3"/>
+          <a:stretch>
+            <a:fillRect/>
+          </a:stretch>
+        </p:blipFill>
+        <p:spPr>
+          <a:xfrm>
+            <a:off x="10607040" y="0"/>
+            <a:ext cx="1584960" cy="3313355"/>
+          </a:xfrm>
+          <a:prstGeom prst="rect">
+            <a:avLst/>
+          </a:prstGeom>
+        </p:spPr>
+      </p:pic>
+    </p:spTree>
+    <p:extLst>
+      <p:ext uri="{BB962C8B-B14F-4D97-AF65-F5344CB8AC3E}">
+        <p14:creationId xmlns:p14="http://schemas.microsoft.com/office/powerpoint/2010/main" val="2036934486"/>
+      </p:ext>
+    </p:extLst>
+  </p:cSld>
+  <p:clrMapOvr>
+    <a:masterClrMapping/>
+  </p:clrMapOvr>
+</p:sld>
+</file>
+
+<file path=ppt/slides/slide26.xml><?xml version="1.0" encoding="utf-8"?>
+<p:sld xmlns:a="http://schemas.openxmlformats.org/drawingml/2006/main" xmlns:r="http://schemas.openxmlformats.org/officeDocument/2006/relationships" xmlns:p="http://schemas.openxmlformats.org/presentationml/2006/main">
+  <p:cSld>
+    <p:spTree>
+      <p:nvGrpSpPr>
+        <p:cNvPr id="1" name=""/>
+        <p:cNvGrpSpPr/>
+        <p:nvPr/>
+      </p:nvGrpSpPr>
+      <p:grpSpPr>
+        <a:xfrm>
+          <a:off x="0" y="0"/>
+          <a:ext cx="0" cy="0"/>
+          <a:chOff x="0" y="0"/>
+          <a:chExt cx="0" cy="0"/>
+        </a:xfrm>
+      </p:grpSpPr>
       <p:sp>
         <p:nvSpPr>
           <p:cNvPr id="2" name="Title 1">
@@ -12096,7 +12586,7 @@
             <a:fld id="{FE1B3154-47D9-4402-8EDB-E791933DC0B9}" type="slidenum">
               <a:rPr lang="nl-BE" smtClean="0"/>
               <a:pPr/>
-              <a:t>24</a:t>
+              <a:t>26</a:t>
             </a:fld>
             <a:endParaRPr lang="nl-BE"/>
           </a:p>
